--- a/figures/Figure_1.pptx
+++ b/figures/Figure_1.pptx
@@ -243,7 +243,7 @@
           <a:p>
             <a:fld id="{ED160DB6-C0DC-8946-AD05-C0754294CFDE}" type="datetimeFigureOut">
               <a:rPr lang="fr-FR" smtClean="0"/>
-              <a:t>25/06/2025</a:t>
+              <a:t>09/07/2025</a:t>
             </a:fld>
             <a:endParaRPr lang="fr-FR"/>
           </a:p>
@@ -413,7 +413,7 @@
           <a:p>
             <a:fld id="{ED160DB6-C0DC-8946-AD05-C0754294CFDE}" type="datetimeFigureOut">
               <a:rPr lang="fr-FR" smtClean="0"/>
-              <a:t>25/06/2025</a:t>
+              <a:t>09/07/2025</a:t>
             </a:fld>
             <a:endParaRPr lang="fr-FR"/>
           </a:p>
@@ -593,7 +593,7 @@
           <a:p>
             <a:fld id="{ED160DB6-C0DC-8946-AD05-C0754294CFDE}" type="datetimeFigureOut">
               <a:rPr lang="fr-FR" smtClean="0"/>
-              <a:t>25/06/2025</a:t>
+              <a:t>09/07/2025</a:t>
             </a:fld>
             <a:endParaRPr lang="fr-FR"/>
           </a:p>
@@ -763,7 +763,7 @@
           <a:p>
             <a:fld id="{ED160DB6-C0DC-8946-AD05-C0754294CFDE}" type="datetimeFigureOut">
               <a:rPr lang="fr-FR" smtClean="0"/>
-              <a:t>25/06/2025</a:t>
+              <a:t>09/07/2025</a:t>
             </a:fld>
             <a:endParaRPr lang="fr-FR"/>
           </a:p>
@@ -1009,7 +1009,7 @@
           <a:p>
             <a:fld id="{ED160DB6-C0DC-8946-AD05-C0754294CFDE}" type="datetimeFigureOut">
               <a:rPr lang="fr-FR" smtClean="0"/>
-              <a:t>25/06/2025</a:t>
+              <a:t>09/07/2025</a:t>
             </a:fld>
             <a:endParaRPr lang="fr-FR"/>
           </a:p>
@@ -1241,7 +1241,7 @@
           <a:p>
             <a:fld id="{ED160DB6-C0DC-8946-AD05-C0754294CFDE}" type="datetimeFigureOut">
               <a:rPr lang="fr-FR" smtClean="0"/>
-              <a:t>25/06/2025</a:t>
+              <a:t>09/07/2025</a:t>
             </a:fld>
             <a:endParaRPr lang="fr-FR"/>
           </a:p>
@@ -1608,7 +1608,7 @@
           <a:p>
             <a:fld id="{ED160DB6-C0DC-8946-AD05-C0754294CFDE}" type="datetimeFigureOut">
               <a:rPr lang="fr-FR" smtClean="0"/>
-              <a:t>25/06/2025</a:t>
+              <a:t>09/07/2025</a:t>
             </a:fld>
             <a:endParaRPr lang="fr-FR"/>
           </a:p>
@@ -1726,7 +1726,7 @@
           <a:p>
             <a:fld id="{ED160DB6-C0DC-8946-AD05-C0754294CFDE}" type="datetimeFigureOut">
               <a:rPr lang="fr-FR" smtClean="0"/>
-              <a:t>25/06/2025</a:t>
+              <a:t>09/07/2025</a:t>
             </a:fld>
             <a:endParaRPr lang="fr-FR"/>
           </a:p>
@@ -1821,7 +1821,7 @@
           <a:p>
             <a:fld id="{ED160DB6-C0DC-8946-AD05-C0754294CFDE}" type="datetimeFigureOut">
               <a:rPr lang="fr-FR" smtClean="0"/>
-              <a:t>25/06/2025</a:t>
+              <a:t>09/07/2025</a:t>
             </a:fld>
             <a:endParaRPr lang="fr-FR"/>
           </a:p>
@@ -2098,7 +2098,7 @@
           <a:p>
             <a:fld id="{ED160DB6-C0DC-8946-AD05-C0754294CFDE}" type="datetimeFigureOut">
               <a:rPr lang="fr-FR" smtClean="0"/>
-              <a:t>25/06/2025</a:t>
+              <a:t>09/07/2025</a:t>
             </a:fld>
             <a:endParaRPr lang="fr-FR"/>
           </a:p>
@@ -2355,7 +2355,7 @@
           <a:p>
             <a:fld id="{ED160DB6-C0DC-8946-AD05-C0754294CFDE}" type="datetimeFigureOut">
               <a:rPr lang="fr-FR" smtClean="0"/>
-              <a:t>25/06/2025</a:t>
+              <a:t>09/07/2025</a:t>
             </a:fld>
             <a:endParaRPr lang="fr-FR"/>
           </a:p>
@@ -2568,7 +2568,7 @@
           <a:p>
             <a:fld id="{ED160DB6-C0DC-8946-AD05-C0754294CFDE}" type="datetimeFigureOut">
               <a:rPr lang="fr-FR" smtClean="0"/>
-              <a:t>25/06/2025</a:t>
+              <a:t>09/07/2025</a:t>
             </a:fld>
             <a:endParaRPr lang="fr-FR"/>
           </a:p>
@@ -2975,36 +2975,6 @@
       </p:grpSpPr>
       <p:pic>
         <p:nvPicPr>
-          <p:cNvPr id="138" name="Image 137">
-            <a:extLst>
-              <a:ext uri="{FF2B5EF4-FFF2-40B4-BE49-F238E27FC236}">
-                <a16:creationId xmlns:a16="http://schemas.microsoft.com/office/drawing/2014/main" id="{E062B68B-B127-F770-9732-A514B795DA5E}"/>
-              </a:ext>
-            </a:extLst>
-          </p:cNvPr>
-          <p:cNvPicPr>
-            <a:picLocks noChangeAspect="1"/>
-          </p:cNvPicPr>
-          <p:nvPr/>
-        </p:nvPicPr>
-        <p:blipFill>
-          <a:blip r:embed="rId2"/>
-          <a:stretch>
-            <a:fillRect/>
-          </a:stretch>
-        </p:blipFill>
-        <p:spPr>
-          <a:xfrm>
-            <a:off x="117463" y="1727529"/>
-            <a:ext cx="2362761" cy="1503980"/>
-          </a:xfrm>
-          <a:prstGeom prst="rect">
-            <a:avLst/>
-          </a:prstGeom>
-        </p:spPr>
-      </p:pic>
-      <p:pic>
-        <p:nvPicPr>
           <p:cNvPr id="140" name="Image 139">
             <a:extLst>
               <a:ext uri="{FF2B5EF4-FFF2-40B4-BE49-F238E27FC236}">
@@ -3018,7 +2988,7 @@
           <p:nvPr/>
         </p:nvPicPr>
         <p:blipFill>
-          <a:blip r:embed="rId3"/>
+          <a:blip r:embed="rId2"/>
           <a:stretch>
             <a:fillRect/>
           </a:stretch>
@@ -3048,7 +3018,7 @@
           <p:nvPr/>
         </p:nvPicPr>
         <p:blipFill>
-          <a:blip r:embed="rId4"/>
+          <a:blip r:embed="rId3"/>
           <a:stretch>
             <a:fillRect/>
           </a:stretch>
@@ -3063,12 +3033,346 @@
           </a:prstGeom>
         </p:spPr>
       </p:pic>
+      <p:sp>
+        <p:nvSpPr>
+          <p:cNvPr id="20" name="ZoneTexte 19">
+            <a:extLst>
+              <a:ext uri="{FF2B5EF4-FFF2-40B4-BE49-F238E27FC236}">
+                <a16:creationId xmlns:a16="http://schemas.microsoft.com/office/drawing/2014/main" id="{72E01FBA-D518-D770-65C9-CA3D02D9B0E7}"/>
+              </a:ext>
+            </a:extLst>
+          </p:cNvPr>
+          <p:cNvSpPr txBox="1"/>
+          <p:nvPr/>
+        </p:nvSpPr>
+        <p:spPr>
+          <a:xfrm>
+            <a:off x="12357" y="353854"/>
+            <a:ext cx="335348" cy="246221"/>
+          </a:xfrm>
+          <a:prstGeom prst="rect">
+            <a:avLst/>
+          </a:prstGeom>
+          <a:noFill/>
+        </p:spPr>
+        <p:txBody>
+          <a:bodyPr wrap="none" rtlCol="0">
+            <a:spAutoFit/>
+          </a:bodyPr>
+          <a:lstStyle/>
+          <a:p>
+            <a:r>
+              <a:rPr lang="fr-FR" sz="1000" dirty="0"/>
+              <a:t>(A)</a:t>
+            </a:r>
+          </a:p>
+        </p:txBody>
+      </p:sp>
+      <p:sp>
+        <p:nvSpPr>
+          <p:cNvPr id="21" name="ZoneTexte 20">
+            <a:extLst>
+              <a:ext uri="{FF2B5EF4-FFF2-40B4-BE49-F238E27FC236}">
+                <a16:creationId xmlns:a16="http://schemas.microsoft.com/office/drawing/2014/main" id="{E9497EF0-316A-9BAC-0EAA-1C79FD33B1B2}"/>
+              </a:ext>
+            </a:extLst>
+          </p:cNvPr>
+          <p:cNvSpPr txBox="1"/>
+          <p:nvPr/>
+        </p:nvSpPr>
+        <p:spPr>
+          <a:xfrm>
+            <a:off x="2343038" y="25903"/>
+            <a:ext cx="332142" cy="246221"/>
+          </a:xfrm>
+          <a:prstGeom prst="rect">
+            <a:avLst/>
+          </a:prstGeom>
+          <a:noFill/>
+        </p:spPr>
+        <p:txBody>
+          <a:bodyPr wrap="none" rtlCol="0">
+            <a:spAutoFit/>
+          </a:bodyPr>
+          <a:lstStyle/>
+          <a:p>
+            <a:r>
+              <a:rPr lang="fr-FR" sz="1000" dirty="0"/>
+              <a:t>(B)</a:t>
+            </a:r>
+          </a:p>
+        </p:txBody>
+      </p:sp>
+      <p:sp>
+        <p:nvSpPr>
+          <p:cNvPr id="23" name="ZoneTexte 22">
+            <a:extLst>
+              <a:ext uri="{FF2B5EF4-FFF2-40B4-BE49-F238E27FC236}">
+                <a16:creationId xmlns:a16="http://schemas.microsoft.com/office/drawing/2014/main" id="{53EB65AE-8E45-3B96-3644-95F7DD301E67}"/>
+              </a:ext>
+            </a:extLst>
+          </p:cNvPr>
+          <p:cNvSpPr txBox="1"/>
+          <p:nvPr/>
+        </p:nvSpPr>
+        <p:spPr>
+          <a:xfrm>
+            <a:off x="9952" y="1764579"/>
+            <a:ext cx="340158" cy="246221"/>
+          </a:xfrm>
+          <a:prstGeom prst="rect">
+            <a:avLst/>
+          </a:prstGeom>
+          <a:noFill/>
+        </p:spPr>
+        <p:txBody>
+          <a:bodyPr wrap="none" rtlCol="0">
+            <a:spAutoFit/>
+          </a:bodyPr>
+          <a:lstStyle/>
+          <a:p>
+            <a:r>
+              <a:rPr lang="fr-FR" sz="1000" dirty="0"/>
+              <a:t>(D)</a:t>
+            </a:r>
+          </a:p>
+        </p:txBody>
+      </p:sp>
+      <p:sp>
+        <p:nvSpPr>
+          <p:cNvPr id="24" name="ZoneTexte 23">
+            <a:extLst>
+              <a:ext uri="{FF2B5EF4-FFF2-40B4-BE49-F238E27FC236}">
+                <a16:creationId xmlns:a16="http://schemas.microsoft.com/office/drawing/2014/main" id="{F0556C2E-EB1B-9628-4126-6B04AB317219}"/>
+              </a:ext>
+            </a:extLst>
+          </p:cNvPr>
+          <p:cNvSpPr txBox="1"/>
+          <p:nvPr/>
+        </p:nvSpPr>
+        <p:spPr>
+          <a:xfrm>
+            <a:off x="4091536" y="25902"/>
+            <a:ext cx="330540" cy="246221"/>
+          </a:xfrm>
+          <a:prstGeom prst="rect">
+            <a:avLst/>
+          </a:prstGeom>
+          <a:noFill/>
+        </p:spPr>
+        <p:txBody>
+          <a:bodyPr wrap="none" rtlCol="0">
+            <a:spAutoFit/>
+          </a:bodyPr>
+          <a:lstStyle/>
+          <a:p>
+            <a:r>
+              <a:rPr lang="fr-FR" sz="1000" dirty="0"/>
+              <a:t>(C)</a:t>
+            </a:r>
+          </a:p>
+        </p:txBody>
+      </p:sp>
+      <p:sp>
+        <p:nvSpPr>
+          <p:cNvPr id="118" name="ZoneTexte 117">
+            <a:extLst>
+              <a:ext uri="{FF2B5EF4-FFF2-40B4-BE49-F238E27FC236}">
+                <a16:creationId xmlns:a16="http://schemas.microsoft.com/office/drawing/2014/main" id="{A55CA43F-E0FE-9D48-A3EC-D261050E2DDE}"/>
+              </a:ext>
+            </a:extLst>
+          </p:cNvPr>
+          <p:cNvSpPr txBox="1"/>
+          <p:nvPr/>
+        </p:nvSpPr>
+        <p:spPr>
+          <a:xfrm>
+            <a:off x="2343038" y="1764570"/>
+            <a:ext cx="324128" cy="246221"/>
+          </a:xfrm>
+          <a:prstGeom prst="rect">
+            <a:avLst/>
+          </a:prstGeom>
+          <a:noFill/>
+        </p:spPr>
+        <p:txBody>
+          <a:bodyPr wrap="none" rtlCol="0">
+            <a:spAutoFit/>
+          </a:bodyPr>
+          <a:lstStyle/>
+          <a:p>
+            <a:r>
+              <a:rPr lang="fr-FR" sz="1000" dirty="0"/>
+              <a:t>(E)</a:t>
+            </a:r>
+          </a:p>
+        </p:txBody>
+      </p:sp>
+      <p:sp>
+        <p:nvSpPr>
+          <p:cNvPr id="119" name="ZoneTexte 118">
+            <a:extLst>
+              <a:ext uri="{FF2B5EF4-FFF2-40B4-BE49-F238E27FC236}">
+                <a16:creationId xmlns:a16="http://schemas.microsoft.com/office/drawing/2014/main" id="{7E2358E3-77C2-6425-492C-F7161F352D6D}"/>
+              </a:ext>
+            </a:extLst>
+          </p:cNvPr>
+          <p:cNvSpPr txBox="1"/>
+          <p:nvPr/>
+        </p:nvSpPr>
+        <p:spPr>
+          <a:xfrm>
+            <a:off x="4129944" y="1764570"/>
+            <a:ext cx="320922" cy="246221"/>
+          </a:xfrm>
+          <a:prstGeom prst="rect">
+            <a:avLst/>
+          </a:prstGeom>
+          <a:noFill/>
+        </p:spPr>
+        <p:txBody>
+          <a:bodyPr wrap="none" rtlCol="0">
+            <a:spAutoFit/>
+          </a:bodyPr>
+          <a:lstStyle/>
+          <a:p>
+            <a:r>
+              <a:rPr lang="fr-FR" sz="1000" dirty="0"/>
+              <a:t>(F)</a:t>
+            </a:r>
+          </a:p>
+        </p:txBody>
+      </p:sp>
+      <p:sp>
+        <p:nvSpPr>
+          <p:cNvPr id="143" name="Rectangle : coins arrondis 142">
+            <a:extLst>
+              <a:ext uri="{FF2B5EF4-FFF2-40B4-BE49-F238E27FC236}">
+                <a16:creationId xmlns:a16="http://schemas.microsoft.com/office/drawing/2014/main" id="{2AC94B78-F3B4-6A71-0440-E2FEAC44EFEC}"/>
+              </a:ext>
+            </a:extLst>
+          </p:cNvPr>
+          <p:cNvSpPr/>
+          <p:nvPr/>
+        </p:nvSpPr>
+        <p:spPr>
+          <a:xfrm>
+            <a:off x="60123" y="41061"/>
+            <a:ext cx="332143" cy="318633"/>
+          </a:xfrm>
+          <a:prstGeom prst="roundRect">
+            <a:avLst/>
+          </a:prstGeom>
+          <a:noFill/>
+        </p:spPr>
+        <p:style>
+          <a:lnRef idx="2">
+            <a:schemeClr val="accent1">
+              <a:shade val="15000"/>
+            </a:schemeClr>
+          </a:lnRef>
+          <a:fillRef idx="1">
+            <a:schemeClr val="accent1"/>
+          </a:fillRef>
+          <a:effectRef idx="0">
+            <a:schemeClr val="accent1"/>
+          </a:effectRef>
+          <a:fontRef idx="minor">
+            <a:schemeClr val="lt1"/>
+          </a:fontRef>
+        </p:style>
+        <p:txBody>
+          <a:bodyPr rtlCol="0" anchor="ctr"/>
+          <a:lstStyle/>
+          <a:p>
+            <a:pPr algn="ctr"/>
+            <a:endParaRPr lang="en-GB" noProof="0" dirty="0"/>
+          </a:p>
+        </p:txBody>
+      </p:sp>
+      <p:sp>
+        <p:nvSpPr>
+          <p:cNvPr id="146" name="Rectangle : coins arrondis 145">
+            <a:extLst>
+              <a:ext uri="{FF2B5EF4-FFF2-40B4-BE49-F238E27FC236}">
+                <a16:creationId xmlns:a16="http://schemas.microsoft.com/office/drawing/2014/main" id="{D76107C6-330F-ABD7-98BD-895DF2544441}"/>
+              </a:ext>
+            </a:extLst>
+          </p:cNvPr>
+          <p:cNvSpPr/>
+          <p:nvPr/>
+        </p:nvSpPr>
+        <p:spPr>
+          <a:xfrm>
+            <a:off x="2343038" y="1485341"/>
+            <a:ext cx="333076" cy="309235"/>
+          </a:xfrm>
+          <a:prstGeom prst="roundRect">
+            <a:avLst/>
+          </a:prstGeom>
+          <a:noFill/>
+        </p:spPr>
+        <p:style>
+          <a:lnRef idx="2">
+            <a:schemeClr val="accent1">
+              <a:shade val="15000"/>
+            </a:schemeClr>
+          </a:lnRef>
+          <a:fillRef idx="1">
+            <a:schemeClr val="accent1"/>
+          </a:fillRef>
+          <a:effectRef idx="0">
+            <a:schemeClr val="accent1"/>
+          </a:effectRef>
+          <a:fontRef idx="minor">
+            <a:schemeClr val="lt1"/>
+          </a:fontRef>
+        </p:style>
+        <p:txBody>
+          <a:bodyPr rtlCol="0" anchor="ctr"/>
+          <a:lstStyle/>
+          <a:p>
+            <a:pPr algn="ctr"/>
+            <a:endParaRPr lang="en-GB" noProof="0" dirty="0"/>
+          </a:p>
+        </p:txBody>
+      </p:sp>
       <p:pic>
         <p:nvPicPr>
-          <p:cNvPr id="132" name="Image 131">
+          <p:cNvPr id="154" name="Image 153">
             <a:extLst>
               <a:ext uri="{FF2B5EF4-FFF2-40B4-BE49-F238E27FC236}">
-                <a16:creationId xmlns:a16="http://schemas.microsoft.com/office/drawing/2014/main" id="{D130A45D-B672-16EF-20F4-842FA4919162}"/>
+                <a16:creationId xmlns:a16="http://schemas.microsoft.com/office/drawing/2014/main" id="{0B180541-FD8C-D150-2DE2-227AE7584C93}"/>
+              </a:ext>
+            </a:extLst>
+          </p:cNvPr>
+          <p:cNvPicPr>
+            <a:picLocks noChangeAspect="1"/>
+          </p:cNvPicPr>
+          <p:nvPr/>
+        </p:nvPicPr>
+        <p:blipFill>
+          <a:blip r:embed="rId4"/>
+          <a:stretch>
+            <a:fillRect/>
+          </a:stretch>
+        </p:blipFill>
+        <p:spPr>
+          <a:xfrm>
+            <a:off x="109273" y="83456"/>
+            <a:ext cx="233841" cy="233841"/>
+          </a:xfrm>
+          <a:prstGeom prst="rect">
+            <a:avLst/>
+          </a:prstGeom>
+        </p:spPr>
+      </p:pic>
+      <p:pic>
+        <p:nvPicPr>
+          <p:cNvPr id="155" name="Image 154">
+            <a:extLst>
+              <a:ext uri="{FF2B5EF4-FFF2-40B4-BE49-F238E27FC236}">
+                <a16:creationId xmlns:a16="http://schemas.microsoft.com/office/drawing/2014/main" id="{A1115FA2-4F4C-2BBE-1D42-7B3CABC5BF07}"/>
               </a:ext>
             </a:extLst>
           </p:cNvPr>
@@ -3085,1142 +3389,14 @@
         </p:blipFill>
         <p:spPr>
           <a:xfrm>
-            <a:off x="2465556" y="41061"/>
-            <a:ext cx="1702809" cy="1634147"/>
+            <a:off x="2397517" y="1520284"/>
+            <a:ext cx="239348" cy="239348"/>
           </a:xfrm>
           <a:prstGeom prst="rect">
             <a:avLst/>
           </a:prstGeom>
         </p:spPr>
       </p:pic>
-      <p:pic>
-        <p:nvPicPr>
-          <p:cNvPr id="134" name="Image 133">
-            <a:extLst>
-              <a:ext uri="{FF2B5EF4-FFF2-40B4-BE49-F238E27FC236}">
-                <a16:creationId xmlns:a16="http://schemas.microsoft.com/office/drawing/2014/main" id="{18AA2902-106B-B76C-00CC-3BACDD9514B7}"/>
-              </a:ext>
-            </a:extLst>
-          </p:cNvPr>
-          <p:cNvPicPr>
-            <a:picLocks noChangeAspect="1"/>
-          </p:cNvPicPr>
-          <p:nvPr/>
-        </p:nvPicPr>
-        <p:blipFill>
-          <a:blip r:embed="rId6"/>
-          <a:stretch>
-            <a:fillRect/>
-          </a:stretch>
-        </p:blipFill>
-        <p:spPr>
-          <a:xfrm>
-            <a:off x="4190810" y="41061"/>
-            <a:ext cx="1702808" cy="1634147"/>
-          </a:xfrm>
-          <a:prstGeom prst="rect">
-            <a:avLst/>
-          </a:prstGeom>
-        </p:spPr>
-      </p:pic>
-      <p:sp>
-        <p:nvSpPr>
-          <p:cNvPr id="20" name="ZoneTexte 19">
-            <a:extLst>
-              <a:ext uri="{FF2B5EF4-FFF2-40B4-BE49-F238E27FC236}">
-                <a16:creationId xmlns:a16="http://schemas.microsoft.com/office/drawing/2014/main" id="{72E01FBA-D518-D770-65C9-CA3D02D9B0E7}"/>
-              </a:ext>
-            </a:extLst>
-          </p:cNvPr>
-          <p:cNvSpPr txBox="1"/>
-          <p:nvPr/>
-        </p:nvSpPr>
-        <p:spPr>
-          <a:xfrm>
-            <a:off x="0" y="31930"/>
-            <a:ext cx="335348" cy="246221"/>
-          </a:xfrm>
-          <a:prstGeom prst="rect">
-            <a:avLst/>
-          </a:prstGeom>
-          <a:noFill/>
-        </p:spPr>
-        <p:txBody>
-          <a:bodyPr wrap="none" rtlCol="0">
-            <a:spAutoFit/>
-          </a:bodyPr>
-          <a:lstStyle/>
-          <a:p>
-            <a:r>
-              <a:rPr lang="fr-FR" sz="1000" dirty="0"/>
-              <a:t>(A)</a:t>
-            </a:r>
-          </a:p>
-        </p:txBody>
-      </p:sp>
-      <p:sp>
-        <p:nvSpPr>
-          <p:cNvPr id="21" name="ZoneTexte 20">
-            <a:extLst>
-              <a:ext uri="{FF2B5EF4-FFF2-40B4-BE49-F238E27FC236}">
-                <a16:creationId xmlns:a16="http://schemas.microsoft.com/office/drawing/2014/main" id="{E9497EF0-316A-9BAC-0EAA-1C79FD33B1B2}"/>
-              </a:ext>
-            </a:extLst>
-          </p:cNvPr>
-          <p:cNvSpPr txBox="1"/>
-          <p:nvPr/>
-        </p:nvSpPr>
-        <p:spPr>
-          <a:xfrm>
-            <a:off x="2343038" y="25903"/>
-            <a:ext cx="332142" cy="246221"/>
-          </a:xfrm>
-          <a:prstGeom prst="rect">
-            <a:avLst/>
-          </a:prstGeom>
-          <a:noFill/>
-        </p:spPr>
-        <p:txBody>
-          <a:bodyPr wrap="none" rtlCol="0">
-            <a:spAutoFit/>
-          </a:bodyPr>
-          <a:lstStyle/>
-          <a:p>
-            <a:r>
-              <a:rPr lang="fr-FR" sz="1000" dirty="0"/>
-              <a:t>(B)</a:t>
-            </a:r>
-          </a:p>
-        </p:txBody>
-      </p:sp>
-      <p:sp>
-        <p:nvSpPr>
-          <p:cNvPr id="23" name="ZoneTexte 22">
-            <a:extLst>
-              <a:ext uri="{FF2B5EF4-FFF2-40B4-BE49-F238E27FC236}">
-                <a16:creationId xmlns:a16="http://schemas.microsoft.com/office/drawing/2014/main" id="{53EB65AE-8E45-3B96-3644-95F7DD301E67}"/>
-              </a:ext>
-            </a:extLst>
-          </p:cNvPr>
-          <p:cNvSpPr txBox="1"/>
-          <p:nvPr/>
-        </p:nvSpPr>
-        <p:spPr>
-          <a:xfrm>
-            <a:off x="9952" y="1764579"/>
-            <a:ext cx="340158" cy="246221"/>
-          </a:xfrm>
-          <a:prstGeom prst="rect">
-            <a:avLst/>
-          </a:prstGeom>
-          <a:noFill/>
-        </p:spPr>
-        <p:txBody>
-          <a:bodyPr wrap="none" rtlCol="0">
-            <a:spAutoFit/>
-          </a:bodyPr>
-          <a:lstStyle/>
-          <a:p>
-            <a:r>
-              <a:rPr lang="fr-FR" sz="1000" dirty="0"/>
-              <a:t>(D)</a:t>
-            </a:r>
-          </a:p>
-        </p:txBody>
-      </p:sp>
-      <p:sp>
-        <p:nvSpPr>
-          <p:cNvPr id="24" name="ZoneTexte 23">
-            <a:extLst>
-              <a:ext uri="{FF2B5EF4-FFF2-40B4-BE49-F238E27FC236}">
-                <a16:creationId xmlns:a16="http://schemas.microsoft.com/office/drawing/2014/main" id="{F0556C2E-EB1B-9628-4126-6B04AB317219}"/>
-              </a:ext>
-            </a:extLst>
-          </p:cNvPr>
-          <p:cNvSpPr txBox="1"/>
-          <p:nvPr/>
-        </p:nvSpPr>
-        <p:spPr>
-          <a:xfrm>
-            <a:off x="4091536" y="25902"/>
-            <a:ext cx="330540" cy="246221"/>
-          </a:xfrm>
-          <a:prstGeom prst="rect">
-            <a:avLst/>
-          </a:prstGeom>
-          <a:noFill/>
-        </p:spPr>
-        <p:txBody>
-          <a:bodyPr wrap="none" rtlCol="0">
-            <a:spAutoFit/>
-          </a:bodyPr>
-          <a:lstStyle/>
-          <a:p>
-            <a:r>
-              <a:rPr lang="fr-FR" sz="1000" dirty="0"/>
-              <a:t>(C)</a:t>
-            </a:r>
-          </a:p>
-        </p:txBody>
-      </p:sp>
-      <p:sp>
-        <p:nvSpPr>
-          <p:cNvPr id="118" name="ZoneTexte 117">
-            <a:extLst>
-              <a:ext uri="{FF2B5EF4-FFF2-40B4-BE49-F238E27FC236}">
-                <a16:creationId xmlns:a16="http://schemas.microsoft.com/office/drawing/2014/main" id="{A55CA43F-E0FE-9D48-A3EC-D261050E2DDE}"/>
-              </a:ext>
-            </a:extLst>
-          </p:cNvPr>
-          <p:cNvSpPr txBox="1"/>
-          <p:nvPr/>
-        </p:nvSpPr>
-        <p:spPr>
-          <a:xfrm>
-            <a:off x="2343038" y="1764570"/>
-            <a:ext cx="324128" cy="246221"/>
-          </a:xfrm>
-          <a:prstGeom prst="rect">
-            <a:avLst/>
-          </a:prstGeom>
-          <a:noFill/>
-        </p:spPr>
-        <p:txBody>
-          <a:bodyPr wrap="none" rtlCol="0">
-            <a:spAutoFit/>
-          </a:bodyPr>
-          <a:lstStyle/>
-          <a:p>
-            <a:r>
-              <a:rPr lang="fr-FR" sz="1000" dirty="0"/>
-              <a:t>(E)</a:t>
-            </a:r>
-          </a:p>
-        </p:txBody>
-      </p:sp>
-      <p:sp>
-        <p:nvSpPr>
-          <p:cNvPr id="119" name="ZoneTexte 118">
-            <a:extLst>
-              <a:ext uri="{FF2B5EF4-FFF2-40B4-BE49-F238E27FC236}">
-                <a16:creationId xmlns:a16="http://schemas.microsoft.com/office/drawing/2014/main" id="{7E2358E3-77C2-6425-492C-F7161F352D6D}"/>
-              </a:ext>
-            </a:extLst>
-          </p:cNvPr>
-          <p:cNvSpPr txBox="1"/>
-          <p:nvPr/>
-        </p:nvSpPr>
-        <p:spPr>
-          <a:xfrm>
-            <a:off x="4129944" y="1764570"/>
-            <a:ext cx="320922" cy="246221"/>
-          </a:xfrm>
-          <a:prstGeom prst="rect">
-            <a:avLst/>
-          </a:prstGeom>
-          <a:noFill/>
-        </p:spPr>
-        <p:txBody>
-          <a:bodyPr wrap="none" rtlCol="0">
-            <a:spAutoFit/>
-          </a:bodyPr>
-          <a:lstStyle/>
-          <a:p>
-            <a:r>
-              <a:rPr lang="fr-FR" sz="1000" dirty="0"/>
-              <a:t>(F)</a:t>
-            </a:r>
-          </a:p>
-        </p:txBody>
-      </p:sp>
-      <p:grpSp>
-        <p:nvGrpSpPr>
-          <p:cNvPr id="156" name="Groupe 155">
-            <a:extLst>
-              <a:ext uri="{FF2B5EF4-FFF2-40B4-BE49-F238E27FC236}">
-                <a16:creationId xmlns:a16="http://schemas.microsoft.com/office/drawing/2014/main" id="{C98D84C3-6118-8A4C-1012-E8D6DA966B27}"/>
-              </a:ext>
-            </a:extLst>
-          </p:cNvPr>
-          <p:cNvGrpSpPr/>
-          <p:nvPr/>
-        </p:nvGrpSpPr>
-        <p:grpSpPr>
-          <a:xfrm>
-            <a:off x="335348" y="146156"/>
-            <a:ext cx="1960746" cy="1366403"/>
-            <a:chOff x="335348" y="82205"/>
-            <a:chExt cx="1960746" cy="1366403"/>
-          </a:xfrm>
-        </p:grpSpPr>
-        <p:grpSp>
-          <p:nvGrpSpPr>
-            <p:cNvPr id="19" name="Groupe 18">
-              <a:extLst>
-                <a:ext uri="{FF2B5EF4-FFF2-40B4-BE49-F238E27FC236}">
-                  <a16:creationId xmlns:a16="http://schemas.microsoft.com/office/drawing/2014/main" id="{6CF00EA2-CC66-B298-42BA-2B51C7B4391E}"/>
-                </a:ext>
-              </a:extLst>
-            </p:cNvPr>
-            <p:cNvGrpSpPr>
-              <a:grpSpLocks noChangeAspect="1"/>
-            </p:cNvGrpSpPr>
-            <p:nvPr/>
-          </p:nvGrpSpPr>
-          <p:grpSpPr>
-            <a:xfrm>
-              <a:off x="350111" y="82205"/>
-              <a:ext cx="1945983" cy="893167"/>
-              <a:chOff x="-106072" y="-1"/>
-              <a:chExt cx="2197384" cy="1008556"/>
-            </a:xfrm>
-          </p:grpSpPr>
-          <p:sp>
-            <p:nvSpPr>
-              <p:cNvPr id="4" name="Triangle rectangle 3">
-                <a:extLst>
-                  <a:ext uri="{FF2B5EF4-FFF2-40B4-BE49-F238E27FC236}">
-                    <a16:creationId xmlns:a16="http://schemas.microsoft.com/office/drawing/2014/main" id="{3868CA46-7238-BAC9-606C-8CDB788BB503}"/>
-                  </a:ext>
-                </a:extLst>
-              </p:cNvPr>
-              <p:cNvSpPr/>
-              <p:nvPr/>
-            </p:nvSpPr>
-            <p:spPr>
-              <a:xfrm rot="10800000">
-                <a:off x="154448" y="746549"/>
-                <a:ext cx="1847316" cy="262006"/>
-              </a:xfrm>
-              <a:prstGeom prst="rtTriangle">
-                <a:avLst/>
-              </a:prstGeom>
-              <a:solidFill>
-                <a:schemeClr val="tx2">
-                  <a:lumMod val="60000"/>
-                  <a:lumOff val="40000"/>
-                </a:schemeClr>
-              </a:solidFill>
-              <a:ln>
-                <a:noFill/>
-              </a:ln>
-            </p:spPr>
-            <p:style>
-              <a:lnRef idx="2">
-                <a:schemeClr val="accent1">
-                  <a:shade val="15000"/>
-                </a:schemeClr>
-              </a:lnRef>
-              <a:fillRef idx="1">
-                <a:schemeClr val="accent1"/>
-              </a:fillRef>
-              <a:effectRef idx="0">
-                <a:schemeClr val="accent1"/>
-              </a:effectRef>
-              <a:fontRef idx="minor">
-                <a:schemeClr val="lt1"/>
-              </a:fontRef>
-            </p:style>
-            <p:txBody>
-              <a:bodyPr rtlCol="0" anchor="ctr"/>
-              <a:lstStyle/>
-              <a:p>
-                <a:pPr algn="ctr"/>
-                <a:endParaRPr lang="fr-FR" sz="700" dirty="0"/>
-              </a:p>
-            </p:txBody>
-          </p:sp>
-          <p:pic>
-            <p:nvPicPr>
-              <p:cNvPr id="6" name="Graphique 5" descr="Rat avec un remplissage uni">
-                <a:extLst>
-                  <a:ext uri="{FF2B5EF4-FFF2-40B4-BE49-F238E27FC236}">
-                    <a16:creationId xmlns:a16="http://schemas.microsoft.com/office/drawing/2014/main" id="{3F9ACC4E-F74B-F65D-022D-B1B6369A45AB}"/>
-                  </a:ext>
-                </a:extLst>
-              </p:cNvPr>
-              <p:cNvPicPr>
-                <a:picLocks noChangeAspect="1"/>
-              </p:cNvPicPr>
-              <p:nvPr/>
-            </p:nvPicPr>
-            <p:blipFill>
-              <a:blip r:embed="rId7">
-                <a:extLst>
-                  <a:ext uri="{96DAC541-7B7A-43D3-8B79-37D633B846F1}">
-                    <asvg:svgBlip xmlns:asvg="http://schemas.microsoft.com/office/drawing/2016/SVG/main" r:embed="rId8"/>
-                  </a:ext>
-                </a:extLst>
-              </a:blip>
-              <a:stretch>
-                <a:fillRect/>
-              </a:stretch>
-            </p:blipFill>
-            <p:spPr>
-              <a:xfrm>
-                <a:off x="183621" y="350700"/>
-                <a:ext cx="342901" cy="342901"/>
-              </a:xfrm>
-              <a:prstGeom prst="rect">
-                <a:avLst/>
-              </a:prstGeom>
-            </p:spPr>
-          </p:pic>
-          <p:pic>
-            <p:nvPicPr>
-              <p:cNvPr id="7" name="Graphique 6" descr="Rat avec un remplissage uni">
-                <a:extLst>
-                  <a:ext uri="{FF2B5EF4-FFF2-40B4-BE49-F238E27FC236}">
-                    <a16:creationId xmlns:a16="http://schemas.microsoft.com/office/drawing/2014/main" id="{100C0B51-B578-C70F-B419-A60D0629B893}"/>
-                  </a:ext>
-                </a:extLst>
-              </p:cNvPr>
-              <p:cNvPicPr>
-                <a:picLocks noChangeAspect="1"/>
-              </p:cNvPicPr>
-              <p:nvPr/>
-            </p:nvPicPr>
-            <p:blipFill>
-              <a:blip r:embed="rId9">
-                <a:extLst>
-                  <a:ext uri="{96DAC541-7B7A-43D3-8B79-37D633B846F1}">
-                    <asvg:svgBlip xmlns:asvg="http://schemas.microsoft.com/office/drawing/2016/SVG/main" r:embed="rId10"/>
-                  </a:ext>
-                </a:extLst>
-              </a:blip>
-              <a:stretch>
-                <a:fillRect/>
-              </a:stretch>
-            </p:blipFill>
-            <p:spPr>
-              <a:xfrm>
-                <a:off x="183621" y="-1"/>
-                <a:ext cx="342901" cy="342901"/>
-              </a:xfrm>
-              <a:prstGeom prst="rect">
-                <a:avLst/>
-              </a:prstGeom>
-            </p:spPr>
-          </p:pic>
-          <p:pic>
-            <p:nvPicPr>
-              <p:cNvPr id="8" name="Graphique 7" descr="Rat avec un remplissage uni">
-                <a:extLst>
-                  <a:ext uri="{FF2B5EF4-FFF2-40B4-BE49-F238E27FC236}">
-                    <a16:creationId xmlns:a16="http://schemas.microsoft.com/office/drawing/2014/main" id="{F4678A07-0685-E193-E533-5BD733BF1D4A}"/>
-                  </a:ext>
-                </a:extLst>
-              </p:cNvPr>
-              <p:cNvPicPr>
-                <a:picLocks noChangeAspect="1"/>
-              </p:cNvPicPr>
-              <p:nvPr/>
-            </p:nvPicPr>
-            <p:blipFill>
-              <a:blip r:embed="rId11">
-                <a:extLst>
-                  <a:ext uri="{96DAC541-7B7A-43D3-8B79-37D633B846F1}">
-                    <asvg:svgBlip xmlns:asvg="http://schemas.microsoft.com/office/drawing/2016/SVG/main" r:embed="rId12"/>
-                  </a:ext>
-                </a:extLst>
-              </a:blip>
-              <a:stretch>
-                <a:fillRect/>
-              </a:stretch>
-            </p:blipFill>
-            <p:spPr>
-              <a:xfrm>
-                <a:off x="1097598" y="350700"/>
-                <a:ext cx="342901" cy="342901"/>
-              </a:xfrm>
-              <a:prstGeom prst="rect">
-                <a:avLst/>
-              </a:prstGeom>
-            </p:spPr>
-          </p:pic>
-          <p:pic>
-            <p:nvPicPr>
-              <p:cNvPr id="9" name="Graphique 8" descr="Rat avec un remplissage uni">
-                <a:extLst>
-                  <a:ext uri="{FF2B5EF4-FFF2-40B4-BE49-F238E27FC236}">
-                    <a16:creationId xmlns:a16="http://schemas.microsoft.com/office/drawing/2014/main" id="{DEDE21B5-9EC6-DFBF-439A-4B40B0D45CA9}"/>
-                  </a:ext>
-                </a:extLst>
-              </p:cNvPr>
-              <p:cNvPicPr>
-                <a:picLocks noChangeAspect="1"/>
-              </p:cNvPicPr>
-              <p:nvPr/>
-            </p:nvPicPr>
-            <p:blipFill>
-              <a:blip r:embed="rId13">
-                <a:extLst>
-                  <a:ext uri="{96DAC541-7B7A-43D3-8B79-37D633B846F1}">
-                    <asvg:svgBlip xmlns:asvg="http://schemas.microsoft.com/office/drawing/2016/SVG/main" r:embed="rId14"/>
-                  </a:ext>
-                </a:extLst>
-              </a:blip>
-              <a:stretch>
-                <a:fillRect/>
-              </a:stretch>
-            </p:blipFill>
-            <p:spPr>
-              <a:xfrm>
-                <a:off x="1097598" y="0"/>
-                <a:ext cx="342901" cy="342901"/>
-              </a:xfrm>
-              <a:prstGeom prst="rect">
-                <a:avLst/>
-              </a:prstGeom>
-            </p:spPr>
-          </p:pic>
-          <p:sp>
-            <p:nvSpPr>
-              <p:cNvPr id="10" name="ZoneTexte 9">
-                <a:extLst>
-                  <a:ext uri="{FF2B5EF4-FFF2-40B4-BE49-F238E27FC236}">
-                    <a16:creationId xmlns:a16="http://schemas.microsoft.com/office/drawing/2014/main" id="{FED7ACC2-C9DD-8BC4-6F41-94DFCAF5BA9E}"/>
-                  </a:ext>
-                </a:extLst>
-              </p:cNvPr>
-              <p:cNvSpPr txBox="1"/>
-              <p:nvPr/>
-            </p:nvSpPr>
-            <p:spPr>
-              <a:xfrm>
-                <a:off x="1388515" y="704972"/>
-                <a:ext cx="581403" cy="225900"/>
-              </a:xfrm>
-              <a:prstGeom prst="rect">
-                <a:avLst/>
-              </a:prstGeom>
-              <a:noFill/>
-            </p:spPr>
-            <p:txBody>
-              <a:bodyPr wrap="none" rtlCol="0">
-                <a:spAutoFit/>
-              </a:bodyPr>
-              <a:lstStyle/>
-              <a:p>
-                <a:r>
-                  <a:rPr lang="en-GB" sz="700" dirty="0">
-                    <a:solidFill>
-                      <a:schemeClr val="bg1"/>
-                    </a:solidFill>
-                  </a:rPr>
-                  <a:t>Steatosis</a:t>
-                </a:r>
-              </a:p>
-            </p:txBody>
-          </p:sp>
-          <p:sp>
-            <p:nvSpPr>
-              <p:cNvPr id="12" name="ZoneTexte 11">
-                <a:extLst>
-                  <a:ext uri="{FF2B5EF4-FFF2-40B4-BE49-F238E27FC236}">
-                    <a16:creationId xmlns:a16="http://schemas.microsoft.com/office/drawing/2014/main" id="{D27952A8-C459-3B7D-E3F0-579699855D55}"/>
-                  </a:ext>
-                </a:extLst>
-              </p:cNvPr>
-              <p:cNvSpPr txBox="1"/>
-              <p:nvPr/>
-            </p:nvSpPr>
-            <p:spPr>
-              <a:xfrm>
-                <a:off x="502748" y="422176"/>
-                <a:ext cx="645344" cy="278030"/>
-              </a:xfrm>
-              <a:prstGeom prst="rect">
-                <a:avLst/>
-              </a:prstGeom>
-              <a:noFill/>
-            </p:spPr>
-            <p:txBody>
-              <a:bodyPr wrap="square" rtlCol="0">
-                <a:spAutoFit/>
-              </a:bodyPr>
-              <a:lstStyle/>
-              <a:p>
-                <a:pPr algn="ctr"/>
-                <a:r>
-                  <a:rPr lang="fr-FR" sz="500" dirty="0"/>
-                  <a:t>CTL group (n = 24)</a:t>
-                </a:r>
-              </a:p>
-            </p:txBody>
-          </p:sp>
-          <p:sp>
-            <p:nvSpPr>
-              <p:cNvPr id="13" name="ZoneTexte 12">
-                <a:extLst>
-                  <a:ext uri="{FF2B5EF4-FFF2-40B4-BE49-F238E27FC236}">
-                    <a16:creationId xmlns:a16="http://schemas.microsoft.com/office/drawing/2014/main" id="{E50A5678-C6A9-E106-BACB-25A3431ACFA7}"/>
-                  </a:ext>
-                </a:extLst>
-              </p:cNvPr>
-              <p:cNvSpPr txBox="1"/>
-              <p:nvPr/>
-            </p:nvSpPr>
-            <p:spPr>
-              <a:xfrm>
-                <a:off x="1443473" y="419773"/>
-                <a:ext cx="597509" cy="278030"/>
-              </a:xfrm>
-              <a:prstGeom prst="rect">
-                <a:avLst/>
-              </a:prstGeom>
-              <a:noFill/>
-            </p:spPr>
-            <p:txBody>
-              <a:bodyPr wrap="square" rtlCol="0">
-                <a:spAutoFit/>
-              </a:bodyPr>
-              <a:lstStyle/>
-              <a:p>
-                <a:pPr algn="ctr"/>
-                <a:r>
-                  <a:rPr lang="fr-FR" sz="500" dirty="0"/>
-                  <a:t>HFHC group (n = 25)</a:t>
-                </a:r>
-              </a:p>
-            </p:txBody>
-          </p:sp>
-          <p:sp>
-            <p:nvSpPr>
-              <p:cNvPr id="14" name="ZoneTexte 13">
-                <a:extLst>
-                  <a:ext uri="{FF2B5EF4-FFF2-40B4-BE49-F238E27FC236}">
-                    <a16:creationId xmlns:a16="http://schemas.microsoft.com/office/drawing/2014/main" id="{9D2681C2-A0D7-3E1E-3376-B980BAF3B96C}"/>
-                  </a:ext>
-                </a:extLst>
-              </p:cNvPr>
-              <p:cNvSpPr txBox="1"/>
-              <p:nvPr/>
-            </p:nvSpPr>
-            <p:spPr>
-              <a:xfrm>
-                <a:off x="1393145" y="75874"/>
-                <a:ext cx="698167" cy="278030"/>
-              </a:xfrm>
-              <a:prstGeom prst="rect">
-                <a:avLst/>
-              </a:prstGeom>
-              <a:noFill/>
-            </p:spPr>
-            <p:txBody>
-              <a:bodyPr wrap="square" rtlCol="0">
-                <a:spAutoFit/>
-              </a:bodyPr>
-              <a:lstStyle/>
-              <a:p>
-                <a:pPr algn="ctr"/>
-                <a:r>
-                  <a:rPr lang="fr-FR" sz="500" dirty="0"/>
-                  <a:t>IRON + HFHC group (n = 23)</a:t>
-                </a:r>
-              </a:p>
-            </p:txBody>
-          </p:sp>
-          <p:sp>
-            <p:nvSpPr>
-              <p:cNvPr id="15" name="ZoneTexte 14">
-                <a:extLst>
-                  <a:ext uri="{FF2B5EF4-FFF2-40B4-BE49-F238E27FC236}">
-                    <a16:creationId xmlns:a16="http://schemas.microsoft.com/office/drawing/2014/main" id="{5EA42ED9-95A5-23A0-4350-7B0C137515C3}"/>
-                  </a:ext>
-                </a:extLst>
-              </p:cNvPr>
-              <p:cNvSpPr txBox="1"/>
-              <p:nvPr/>
-            </p:nvSpPr>
-            <p:spPr>
-              <a:xfrm>
-                <a:off x="540025" y="85975"/>
-                <a:ext cx="564088" cy="278030"/>
-              </a:xfrm>
-              <a:prstGeom prst="rect">
-                <a:avLst/>
-              </a:prstGeom>
-              <a:noFill/>
-            </p:spPr>
-            <p:txBody>
-              <a:bodyPr wrap="square" rtlCol="0">
-                <a:spAutoFit/>
-              </a:bodyPr>
-              <a:lstStyle/>
-              <a:p>
-                <a:pPr algn="ctr"/>
-                <a:r>
-                  <a:rPr lang="fr-FR" sz="500" dirty="0"/>
-                  <a:t>IRON group (n = 25)</a:t>
-                </a:r>
-              </a:p>
-            </p:txBody>
-          </p:sp>
-          <p:sp>
-            <p:nvSpPr>
-              <p:cNvPr id="16" name="Triangle rectangle 15">
-                <a:extLst>
-                  <a:ext uri="{FF2B5EF4-FFF2-40B4-BE49-F238E27FC236}">
-                    <a16:creationId xmlns:a16="http://schemas.microsoft.com/office/drawing/2014/main" id="{4187BBA7-14EB-3569-61D8-53241F250900}"/>
-                  </a:ext>
-                </a:extLst>
-              </p:cNvPr>
-              <p:cNvSpPr/>
-              <p:nvPr/>
-            </p:nvSpPr>
-            <p:spPr>
-              <a:xfrm rot="5400000" flipV="1">
-                <a:off x="-324587" y="303776"/>
-                <a:ext cx="661290" cy="224259"/>
-              </a:xfrm>
-              <a:prstGeom prst="rtTriangle">
-                <a:avLst/>
-              </a:prstGeom>
-              <a:solidFill>
-                <a:srgbClr val="C55A11"/>
-              </a:solidFill>
-              <a:ln>
-                <a:noFill/>
-              </a:ln>
-            </p:spPr>
-            <p:style>
-              <a:lnRef idx="2">
-                <a:schemeClr val="accent1">
-                  <a:shade val="15000"/>
-                </a:schemeClr>
-              </a:lnRef>
-              <a:fillRef idx="1">
-                <a:schemeClr val="accent1"/>
-              </a:fillRef>
-              <a:effectRef idx="0">
-                <a:schemeClr val="accent1"/>
-              </a:effectRef>
-              <a:fontRef idx="minor">
-                <a:schemeClr val="lt1"/>
-              </a:fontRef>
-            </p:style>
-            <p:txBody>
-              <a:bodyPr rtlCol="0" anchor="ctr"/>
-              <a:lstStyle/>
-              <a:p>
-                <a:pPr algn="ctr"/>
-                <a:endParaRPr lang="fr-FR" sz="700" dirty="0"/>
-              </a:p>
-            </p:txBody>
-          </p:sp>
-          <p:sp>
-            <p:nvSpPr>
-              <p:cNvPr id="18" name="ZoneTexte 17">
-                <a:extLst>
-                  <a:ext uri="{FF2B5EF4-FFF2-40B4-BE49-F238E27FC236}">
-                    <a16:creationId xmlns:a16="http://schemas.microsoft.com/office/drawing/2014/main" id="{CF18B1D9-8D2D-672F-5A5E-654F04C81977}"/>
-                  </a:ext>
-                </a:extLst>
-              </p:cNvPr>
-              <p:cNvSpPr txBox="1"/>
-              <p:nvPr/>
-            </p:nvSpPr>
-            <p:spPr>
-              <a:xfrm rot="16200000">
-                <a:off x="-207469" y="157588"/>
-                <a:ext cx="525291" cy="225900"/>
-              </a:xfrm>
-              <a:prstGeom prst="rect">
-                <a:avLst/>
-              </a:prstGeom>
-              <a:noFill/>
-            </p:spPr>
-            <p:txBody>
-              <a:bodyPr wrap="none" rtlCol="0">
-                <a:spAutoFit/>
-              </a:bodyPr>
-              <a:lstStyle/>
-              <a:p>
-                <a:r>
-                  <a:rPr lang="en-GB" sz="700" dirty="0">
-                    <a:solidFill>
-                      <a:schemeClr val="bg1"/>
-                    </a:solidFill>
-                  </a:rPr>
-                  <a:t>Fibrosis</a:t>
-                </a:r>
-              </a:p>
-            </p:txBody>
-          </p:sp>
-        </p:grpSp>
-        <p:sp>
-          <p:nvSpPr>
-            <p:cNvPr id="143" name="Rectangle : coins arrondis 142">
-              <a:extLst>
-                <a:ext uri="{FF2B5EF4-FFF2-40B4-BE49-F238E27FC236}">
-                  <a16:creationId xmlns:a16="http://schemas.microsoft.com/office/drawing/2014/main" id="{2AC94B78-F3B4-6A71-0440-E2FEAC44EFEC}"/>
-                </a:ext>
-              </a:extLst>
-            </p:cNvPr>
-            <p:cNvSpPr/>
-            <p:nvPr/>
-          </p:nvSpPr>
-          <p:spPr>
-            <a:xfrm>
-              <a:off x="335348" y="1048066"/>
-              <a:ext cx="902811" cy="400542"/>
-            </a:xfrm>
-            <a:prstGeom prst="roundRect">
-              <a:avLst/>
-            </a:prstGeom>
-            <a:noFill/>
-          </p:spPr>
-          <p:style>
-            <a:lnRef idx="2">
-              <a:schemeClr val="accent1">
-                <a:shade val="15000"/>
-              </a:schemeClr>
-            </a:lnRef>
-            <a:fillRef idx="1">
-              <a:schemeClr val="accent1"/>
-            </a:fillRef>
-            <a:effectRef idx="0">
-              <a:schemeClr val="accent1"/>
-            </a:effectRef>
-            <a:fontRef idx="minor">
-              <a:schemeClr val="lt1"/>
-            </a:fontRef>
-          </p:style>
-          <p:txBody>
-            <a:bodyPr rtlCol="0" anchor="ctr"/>
-            <a:lstStyle/>
-            <a:p>
-              <a:pPr algn="ctr"/>
-              <a:endParaRPr lang="en-GB" noProof="0" dirty="0"/>
-            </a:p>
-          </p:txBody>
-        </p:sp>
-        <p:sp>
-          <p:nvSpPr>
-            <p:cNvPr id="146" name="Rectangle : coins arrondis 145">
-              <a:extLst>
-                <a:ext uri="{FF2B5EF4-FFF2-40B4-BE49-F238E27FC236}">
-                  <a16:creationId xmlns:a16="http://schemas.microsoft.com/office/drawing/2014/main" id="{D76107C6-330F-ABD7-98BD-895DF2544441}"/>
-                </a:ext>
-              </a:extLst>
-            </p:cNvPr>
-            <p:cNvSpPr/>
-            <p:nvPr/>
-          </p:nvSpPr>
-          <p:spPr>
-            <a:xfrm>
-              <a:off x="1313980" y="1048064"/>
-              <a:ext cx="902811" cy="400543"/>
-            </a:xfrm>
-            <a:prstGeom prst="roundRect">
-              <a:avLst/>
-            </a:prstGeom>
-            <a:noFill/>
-          </p:spPr>
-          <p:style>
-            <a:lnRef idx="2">
-              <a:schemeClr val="accent1">
-                <a:shade val="15000"/>
-              </a:schemeClr>
-            </a:lnRef>
-            <a:fillRef idx="1">
-              <a:schemeClr val="accent1"/>
-            </a:fillRef>
-            <a:effectRef idx="0">
-              <a:schemeClr val="accent1"/>
-            </a:effectRef>
-            <a:fontRef idx="minor">
-              <a:schemeClr val="lt1"/>
-            </a:fontRef>
-          </p:style>
-          <p:txBody>
-            <a:bodyPr rtlCol="0" anchor="ctr"/>
-            <a:lstStyle/>
-            <a:p>
-              <a:pPr algn="ctr"/>
-              <a:endParaRPr lang="en-GB" noProof="0" dirty="0"/>
-            </a:p>
-          </p:txBody>
-        </p:sp>
-        <p:sp>
-          <p:nvSpPr>
-            <p:cNvPr id="148" name="ZoneTexte 147">
-              <a:extLst>
-                <a:ext uri="{FF2B5EF4-FFF2-40B4-BE49-F238E27FC236}">
-                  <a16:creationId xmlns:a16="http://schemas.microsoft.com/office/drawing/2014/main" id="{6926CB50-07C3-AC4A-49DA-0E222C6FDF32}"/>
-                </a:ext>
-              </a:extLst>
-            </p:cNvPr>
-            <p:cNvSpPr txBox="1"/>
-            <p:nvPr/>
-          </p:nvSpPr>
-          <p:spPr>
-            <a:xfrm>
-              <a:off x="510108" y="1164603"/>
-              <a:ext cx="452993" cy="153888"/>
-            </a:xfrm>
-            <a:prstGeom prst="rect">
-              <a:avLst/>
-            </a:prstGeom>
-            <a:noFill/>
-          </p:spPr>
-          <p:txBody>
-            <a:bodyPr wrap="square" rtlCol="0">
-              <a:spAutoFit/>
-            </a:bodyPr>
-            <a:lstStyle/>
-            <a:p>
-              <a:r>
-                <a:rPr lang="en-GB" sz="400" noProof="0" dirty="0"/>
-                <a:t>mRNA level</a:t>
-              </a:r>
-            </a:p>
-          </p:txBody>
-        </p:sp>
-        <p:sp>
-          <p:nvSpPr>
-            <p:cNvPr id="149" name="ZoneTexte 148">
-              <a:extLst>
-                <a:ext uri="{FF2B5EF4-FFF2-40B4-BE49-F238E27FC236}">
-                  <a16:creationId xmlns:a16="http://schemas.microsoft.com/office/drawing/2014/main" id="{DF807CE9-6DBC-A406-9EA5-0B05F4F913E5}"/>
-                </a:ext>
-              </a:extLst>
-            </p:cNvPr>
-            <p:cNvSpPr txBox="1"/>
-            <p:nvPr/>
-          </p:nvSpPr>
-          <p:spPr>
-            <a:xfrm>
-              <a:off x="512314" y="1056150"/>
-              <a:ext cx="612057" cy="153888"/>
-            </a:xfrm>
-            <a:prstGeom prst="rect">
-              <a:avLst/>
-            </a:prstGeom>
-            <a:noFill/>
-          </p:spPr>
-          <p:txBody>
-            <a:bodyPr wrap="square" rtlCol="0">
-              <a:spAutoFit/>
-            </a:bodyPr>
-            <a:lstStyle/>
-            <a:p>
-              <a:r>
-                <a:rPr lang="en-GB" sz="400" noProof="0" dirty="0"/>
-                <a:t>Histological analyses</a:t>
-              </a:r>
-            </a:p>
-          </p:txBody>
-        </p:sp>
-        <p:sp>
-          <p:nvSpPr>
-            <p:cNvPr id="150" name="ZoneTexte 149">
-              <a:extLst>
-                <a:ext uri="{FF2B5EF4-FFF2-40B4-BE49-F238E27FC236}">
-                  <a16:creationId xmlns:a16="http://schemas.microsoft.com/office/drawing/2014/main" id="{DD7A686D-A9B5-ED40-F0B0-97A237C5C8AB}"/>
-                </a:ext>
-              </a:extLst>
-            </p:cNvPr>
-            <p:cNvSpPr txBox="1"/>
-            <p:nvPr/>
-          </p:nvSpPr>
-          <p:spPr>
-            <a:xfrm>
-              <a:off x="512314" y="1273056"/>
-              <a:ext cx="748290" cy="153888"/>
-            </a:xfrm>
-            <a:prstGeom prst="rect">
-              <a:avLst/>
-            </a:prstGeom>
-            <a:noFill/>
-          </p:spPr>
-          <p:txBody>
-            <a:bodyPr wrap="square" rtlCol="0">
-              <a:spAutoFit/>
-            </a:bodyPr>
-            <a:lstStyle/>
-            <a:p>
-              <a:r>
-                <a:rPr lang="en-GB" sz="400" noProof="0" dirty="0"/>
-                <a:t>Biochemical quantification</a:t>
-              </a:r>
-            </a:p>
-          </p:txBody>
-        </p:sp>
-        <p:sp>
-          <p:nvSpPr>
-            <p:cNvPr id="151" name="ZoneTexte 150">
-              <a:extLst>
-                <a:ext uri="{FF2B5EF4-FFF2-40B4-BE49-F238E27FC236}">
-                  <a16:creationId xmlns:a16="http://schemas.microsoft.com/office/drawing/2014/main" id="{D4853588-D01B-5F8F-E5C1-4752BBAA41A1}"/>
-                </a:ext>
-              </a:extLst>
-            </p:cNvPr>
-            <p:cNvSpPr txBox="1"/>
-            <p:nvPr/>
-          </p:nvSpPr>
-          <p:spPr>
-            <a:xfrm>
-              <a:off x="1539676" y="1056150"/>
-              <a:ext cx="607740" cy="153888"/>
-            </a:xfrm>
-            <a:prstGeom prst="rect">
-              <a:avLst/>
-            </a:prstGeom>
-            <a:noFill/>
-          </p:spPr>
-          <p:txBody>
-            <a:bodyPr wrap="square" rtlCol="0">
-              <a:spAutoFit/>
-            </a:bodyPr>
-            <a:lstStyle/>
-            <a:p>
-              <a:r>
-                <a:rPr lang="en-GB" sz="400" noProof="0" dirty="0"/>
-                <a:t>Blood markers </a:t>
-              </a:r>
-            </a:p>
-          </p:txBody>
-        </p:sp>
-        <p:sp>
-          <p:nvSpPr>
-            <p:cNvPr id="152" name="ZoneTexte 151">
-              <a:extLst>
-                <a:ext uri="{FF2B5EF4-FFF2-40B4-BE49-F238E27FC236}">
-                  <a16:creationId xmlns:a16="http://schemas.microsoft.com/office/drawing/2014/main" id="{A34E271F-EFF1-2090-CA53-6E6E186D899C}"/>
-                </a:ext>
-              </a:extLst>
-            </p:cNvPr>
-            <p:cNvSpPr txBox="1"/>
-            <p:nvPr/>
-          </p:nvSpPr>
-          <p:spPr>
-            <a:xfrm>
-              <a:off x="1539676" y="1133071"/>
-              <a:ext cx="607740" cy="215444"/>
-            </a:xfrm>
-            <a:prstGeom prst="rect">
-              <a:avLst/>
-            </a:prstGeom>
-            <a:noFill/>
-          </p:spPr>
-          <p:txBody>
-            <a:bodyPr wrap="square" rtlCol="0">
-              <a:spAutoFit/>
-            </a:bodyPr>
-            <a:lstStyle/>
-            <a:p>
-              <a:pPr algn="just"/>
-              <a:r>
-                <a:rPr lang="en-GB" sz="400" noProof="0" dirty="0"/>
-                <a:t>Serum Mid-infrared spectroscopy</a:t>
-              </a:r>
-            </a:p>
-          </p:txBody>
-        </p:sp>
-        <p:sp>
-          <p:nvSpPr>
-            <p:cNvPr id="153" name="ZoneTexte 152">
-              <a:extLst>
-                <a:ext uri="{FF2B5EF4-FFF2-40B4-BE49-F238E27FC236}">
-                  <a16:creationId xmlns:a16="http://schemas.microsoft.com/office/drawing/2014/main" id="{6A694BEC-7636-6B36-C36B-2D3AEBCE77D5}"/>
-                </a:ext>
-              </a:extLst>
-            </p:cNvPr>
-            <p:cNvSpPr txBox="1"/>
-            <p:nvPr/>
-          </p:nvSpPr>
-          <p:spPr>
-            <a:xfrm>
-              <a:off x="1539676" y="1266770"/>
-              <a:ext cx="607740" cy="153888"/>
-            </a:xfrm>
-            <a:prstGeom prst="rect">
-              <a:avLst/>
-            </a:prstGeom>
-            <a:noFill/>
-          </p:spPr>
-          <p:txBody>
-            <a:bodyPr wrap="square" rtlCol="0">
-              <a:spAutoFit/>
-            </a:bodyPr>
-            <a:lstStyle/>
-            <a:p>
-              <a:pPr algn="just"/>
-              <a:r>
-                <a:rPr lang="en-GB" sz="400" noProof="0" dirty="0"/>
-                <a:t>Serum </a:t>
-              </a:r>
-              <a:r>
-                <a:rPr lang="en-GB" sz="400" noProof="0" dirty="0" err="1"/>
-                <a:t>metalomic</a:t>
-              </a:r>
-              <a:endParaRPr lang="en-GB" sz="400" noProof="0" dirty="0"/>
-            </a:p>
-          </p:txBody>
-        </p:sp>
-        <p:pic>
-          <p:nvPicPr>
-            <p:cNvPr id="154" name="Image 153">
-              <a:extLst>
-                <a:ext uri="{FF2B5EF4-FFF2-40B4-BE49-F238E27FC236}">
-                  <a16:creationId xmlns:a16="http://schemas.microsoft.com/office/drawing/2014/main" id="{0B180541-FD8C-D150-2DE2-227AE7584C93}"/>
-                </a:ext>
-              </a:extLst>
-            </p:cNvPr>
-            <p:cNvPicPr>
-              <a:picLocks noChangeAspect="1"/>
-            </p:cNvPicPr>
-            <p:nvPr/>
-          </p:nvPicPr>
-          <p:blipFill>
-            <a:blip r:embed="rId15"/>
-            <a:stretch>
-              <a:fillRect/>
-            </a:stretch>
-          </p:blipFill>
-          <p:spPr>
-            <a:xfrm>
-              <a:off x="359098" y="1129975"/>
-              <a:ext cx="233841" cy="233841"/>
-            </a:xfrm>
-            <a:prstGeom prst="rect">
-              <a:avLst/>
-            </a:prstGeom>
-          </p:spPr>
-        </p:pic>
-        <p:pic>
-          <p:nvPicPr>
-            <p:cNvPr id="155" name="Image 154">
-              <a:extLst>
-                <a:ext uri="{FF2B5EF4-FFF2-40B4-BE49-F238E27FC236}">
-                  <a16:creationId xmlns:a16="http://schemas.microsoft.com/office/drawing/2014/main" id="{A1115FA2-4F4C-2BBE-1D42-7B3CABC5BF07}"/>
-                </a:ext>
-              </a:extLst>
-            </p:cNvPr>
-            <p:cNvPicPr>
-              <a:picLocks noChangeAspect="1"/>
-            </p:cNvPicPr>
-            <p:nvPr/>
-          </p:nvPicPr>
-          <p:blipFill>
-            <a:blip r:embed="rId16"/>
-            <a:stretch>
-              <a:fillRect/>
-            </a:stretch>
-          </p:blipFill>
-          <p:spPr>
-            <a:xfrm>
-              <a:off x="1354964" y="1117951"/>
-              <a:ext cx="239348" cy="239348"/>
-            </a:xfrm>
-            <a:prstGeom prst="rect">
-              <a:avLst/>
-            </a:prstGeom>
-          </p:spPr>
-        </p:pic>
-      </p:grpSp>
     </p:spTree>
     <p:extLst>
       <p:ext uri="{BB962C8B-B14F-4D97-AF65-F5344CB8AC3E}">

--- a/figures/Figure_1.pptx
+++ b/figures/Figure_1.pptx
@@ -2973,6 +2973,53 @@
           <a:chExt cx="0" cy="0"/>
         </a:xfrm>
       </p:grpSpPr>
+      <p:sp>
+        <p:nvSpPr>
+          <p:cNvPr id="146" name="Rectangle : coins arrondis 145">
+            <a:extLst>
+              <a:ext uri="{FF2B5EF4-FFF2-40B4-BE49-F238E27FC236}">
+                <a16:creationId xmlns:a16="http://schemas.microsoft.com/office/drawing/2014/main" id="{D76107C6-330F-ABD7-98BD-895DF2544441}"/>
+              </a:ext>
+            </a:extLst>
+          </p:cNvPr>
+          <p:cNvSpPr/>
+          <p:nvPr/>
+        </p:nvSpPr>
+        <p:spPr>
+          <a:xfrm>
+            <a:off x="2343038" y="1485341"/>
+            <a:ext cx="333076" cy="309235"/>
+          </a:xfrm>
+          <a:prstGeom prst="roundRect">
+            <a:avLst/>
+          </a:prstGeom>
+          <a:noFill/>
+        </p:spPr>
+        <p:style>
+          <a:lnRef idx="2">
+            <a:schemeClr val="accent1">
+              <a:shade val="15000"/>
+            </a:schemeClr>
+          </a:lnRef>
+          <a:fillRef idx="1">
+            <a:schemeClr val="accent1"/>
+          </a:fillRef>
+          <a:effectRef idx="0">
+            <a:schemeClr val="accent1"/>
+          </a:effectRef>
+          <a:fontRef idx="minor">
+            <a:schemeClr val="lt1"/>
+          </a:fontRef>
+        </p:style>
+        <p:txBody>
+          <a:bodyPr rtlCol="0" anchor="ctr"/>
+          <a:lstStyle/>
+          <a:p>
+            <a:pPr algn="ctr"/>
+            <a:endParaRPr lang="en-GB" noProof="0" dirty="0"/>
+          </a:p>
+        </p:txBody>
+      </p:sp>
       <p:pic>
         <p:nvPicPr>
           <p:cNvPr id="140" name="Image 139">
@@ -3033,310 +3080,6 @@
           </a:prstGeom>
         </p:spPr>
       </p:pic>
-      <p:sp>
-        <p:nvSpPr>
-          <p:cNvPr id="20" name="ZoneTexte 19">
-            <a:extLst>
-              <a:ext uri="{FF2B5EF4-FFF2-40B4-BE49-F238E27FC236}">
-                <a16:creationId xmlns:a16="http://schemas.microsoft.com/office/drawing/2014/main" id="{72E01FBA-D518-D770-65C9-CA3D02D9B0E7}"/>
-              </a:ext>
-            </a:extLst>
-          </p:cNvPr>
-          <p:cNvSpPr txBox="1"/>
-          <p:nvPr/>
-        </p:nvSpPr>
-        <p:spPr>
-          <a:xfrm>
-            <a:off x="12357" y="353854"/>
-            <a:ext cx="335348" cy="246221"/>
-          </a:xfrm>
-          <a:prstGeom prst="rect">
-            <a:avLst/>
-          </a:prstGeom>
-          <a:noFill/>
-        </p:spPr>
-        <p:txBody>
-          <a:bodyPr wrap="none" rtlCol="0">
-            <a:spAutoFit/>
-          </a:bodyPr>
-          <a:lstStyle/>
-          <a:p>
-            <a:r>
-              <a:rPr lang="fr-FR" sz="1000" dirty="0"/>
-              <a:t>(A)</a:t>
-            </a:r>
-          </a:p>
-        </p:txBody>
-      </p:sp>
-      <p:sp>
-        <p:nvSpPr>
-          <p:cNvPr id="21" name="ZoneTexte 20">
-            <a:extLst>
-              <a:ext uri="{FF2B5EF4-FFF2-40B4-BE49-F238E27FC236}">
-                <a16:creationId xmlns:a16="http://schemas.microsoft.com/office/drawing/2014/main" id="{E9497EF0-316A-9BAC-0EAA-1C79FD33B1B2}"/>
-              </a:ext>
-            </a:extLst>
-          </p:cNvPr>
-          <p:cNvSpPr txBox="1"/>
-          <p:nvPr/>
-        </p:nvSpPr>
-        <p:spPr>
-          <a:xfrm>
-            <a:off x="2343038" y="25903"/>
-            <a:ext cx="332142" cy="246221"/>
-          </a:xfrm>
-          <a:prstGeom prst="rect">
-            <a:avLst/>
-          </a:prstGeom>
-          <a:noFill/>
-        </p:spPr>
-        <p:txBody>
-          <a:bodyPr wrap="none" rtlCol="0">
-            <a:spAutoFit/>
-          </a:bodyPr>
-          <a:lstStyle/>
-          <a:p>
-            <a:r>
-              <a:rPr lang="fr-FR" sz="1000" dirty="0"/>
-              <a:t>(B)</a:t>
-            </a:r>
-          </a:p>
-        </p:txBody>
-      </p:sp>
-      <p:sp>
-        <p:nvSpPr>
-          <p:cNvPr id="23" name="ZoneTexte 22">
-            <a:extLst>
-              <a:ext uri="{FF2B5EF4-FFF2-40B4-BE49-F238E27FC236}">
-                <a16:creationId xmlns:a16="http://schemas.microsoft.com/office/drawing/2014/main" id="{53EB65AE-8E45-3B96-3644-95F7DD301E67}"/>
-              </a:ext>
-            </a:extLst>
-          </p:cNvPr>
-          <p:cNvSpPr txBox="1"/>
-          <p:nvPr/>
-        </p:nvSpPr>
-        <p:spPr>
-          <a:xfrm>
-            <a:off x="9952" y="1764579"/>
-            <a:ext cx="340158" cy="246221"/>
-          </a:xfrm>
-          <a:prstGeom prst="rect">
-            <a:avLst/>
-          </a:prstGeom>
-          <a:noFill/>
-        </p:spPr>
-        <p:txBody>
-          <a:bodyPr wrap="none" rtlCol="0">
-            <a:spAutoFit/>
-          </a:bodyPr>
-          <a:lstStyle/>
-          <a:p>
-            <a:r>
-              <a:rPr lang="fr-FR" sz="1000" dirty="0"/>
-              <a:t>(D)</a:t>
-            </a:r>
-          </a:p>
-        </p:txBody>
-      </p:sp>
-      <p:sp>
-        <p:nvSpPr>
-          <p:cNvPr id="24" name="ZoneTexte 23">
-            <a:extLst>
-              <a:ext uri="{FF2B5EF4-FFF2-40B4-BE49-F238E27FC236}">
-                <a16:creationId xmlns:a16="http://schemas.microsoft.com/office/drawing/2014/main" id="{F0556C2E-EB1B-9628-4126-6B04AB317219}"/>
-              </a:ext>
-            </a:extLst>
-          </p:cNvPr>
-          <p:cNvSpPr txBox="1"/>
-          <p:nvPr/>
-        </p:nvSpPr>
-        <p:spPr>
-          <a:xfrm>
-            <a:off x="4091536" y="25902"/>
-            <a:ext cx="330540" cy="246221"/>
-          </a:xfrm>
-          <a:prstGeom prst="rect">
-            <a:avLst/>
-          </a:prstGeom>
-          <a:noFill/>
-        </p:spPr>
-        <p:txBody>
-          <a:bodyPr wrap="none" rtlCol="0">
-            <a:spAutoFit/>
-          </a:bodyPr>
-          <a:lstStyle/>
-          <a:p>
-            <a:r>
-              <a:rPr lang="fr-FR" sz="1000" dirty="0"/>
-              <a:t>(C)</a:t>
-            </a:r>
-          </a:p>
-        </p:txBody>
-      </p:sp>
-      <p:sp>
-        <p:nvSpPr>
-          <p:cNvPr id="118" name="ZoneTexte 117">
-            <a:extLst>
-              <a:ext uri="{FF2B5EF4-FFF2-40B4-BE49-F238E27FC236}">
-                <a16:creationId xmlns:a16="http://schemas.microsoft.com/office/drawing/2014/main" id="{A55CA43F-E0FE-9D48-A3EC-D261050E2DDE}"/>
-              </a:ext>
-            </a:extLst>
-          </p:cNvPr>
-          <p:cNvSpPr txBox="1"/>
-          <p:nvPr/>
-        </p:nvSpPr>
-        <p:spPr>
-          <a:xfrm>
-            <a:off x="2343038" y="1764570"/>
-            <a:ext cx="324128" cy="246221"/>
-          </a:xfrm>
-          <a:prstGeom prst="rect">
-            <a:avLst/>
-          </a:prstGeom>
-          <a:noFill/>
-        </p:spPr>
-        <p:txBody>
-          <a:bodyPr wrap="none" rtlCol="0">
-            <a:spAutoFit/>
-          </a:bodyPr>
-          <a:lstStyle/>
-          <a:p>
-            <a:r>
-              <a:rPr lang="fr-FR" sz="1000" dirty="0"/>
-              <a:t>(E)</a:t>
-            </a:r>
-          </a:p>
-        </p:txBody>
-      </p:sp>
-      <p:sp>
-        <p:nvSpPr>
-          <p:cNvPr id="119" name="ZoneTexte 118">
-            <a:extLst>
-              <a:ext uri="{FF2B5EF4-FFF2-40B4-BE49-F238E27FC236}">
-                <a16:creationId xmlns:a16="http://schemas.microsoft.com/office/drawing/2014/main" id="{7E2358E3-77C2-6425-492C-F7161F352D6D}"/>
-              </a:ext>
-            </a:extLst>
-          </p:cNvPr>
-          <p:cNvSpPr txBox="1"/>
-          <p:nvPr/>
-        </p:nvSpPr>
-        <p:spPr>
-          <a:xfrm>
-            <a:off x="4129944" y="1764570"/>
-            <a:ext cx="320922" cy="246221"/>
-          </a:xfrm>
-          <a:prstGeom prst="rect">
-            <a:avLst/>
-          </a:prstGeom>
-          <a:noFill/>
-        </p:spPr>
-        <p:txBody>
-          <a:bodyPr wrap="none" rtlCol="0">
-            <a:spAutoFit/>
-          </a:bodyPr>
-          <a:lstStyle/>
-          <a:p>
-            <a:r>
-              <a:rPr lang="fr-FR" sz="1000" dirty="0"/>
-              <a:t>(F)</a:t>
-            </a:r>
-          </a:p>
-        </p:txBody>
-      </p:sp>
-      <p:sp>
-        <p:nvSpPr>
-          <p:cNvPr id="143" name="Rectangle : coins arrondis 142">
-            <a:extLst>
-              <a:ext uri="{FF2B5EF4-FFF2-40B4-BE49-F238E27FC236}">
-                <a16:creationId xmlns:a16="http://schemas.microsoft.com/office/drawing/2014/main" id="{2AC94B78-F3B4-6A71-0440-E2FEAC44EFEC}"/>
-              </a:ext>
-            </a:extLst>
-          </p:cNvPr>
-          <p:cNvSpPr/>
-          <p:nvPr/>
-        </p:nvSpPr>
-        <p:spPr>
-          <a:xfrm>
-            <a:off x="60123" y="41061"/>
-            <a:ext cx="332143" cy="318633"/>
-          </a:xfrm>
-          <a:prstGeom prst="roundRect">
-            <a:avLst/>
-          </a:prstGeom>
-          <a:noFill/>
-        </p:spPr>
-        <p:style>
-          <a:lnRef idx="2">
-            <a:schemeClr val="accent1">
-              <a:shade val="15000"/>
-            </a:schemeClr>
-          </a:lnRef>
-          <a:fillRef idx="1">
-            <a:schemeClr val="accent1"/>
-          </a:fillRef>
-          <a:effectRef idx="0">
-            <a:schemeClr val="accent1"/>
-          </a:effectRef>
-          <a:fontRef idx="minor">
-            <a:schemeClr val="lt1"/>
-          </a:fontRef>
-        </p:style>
-        <p:txBody>
-          <a:bodyPr rtlCol="0" anchor="ctr"/>
-          <a:lstStyle/>
-          <a:p>
-            <a:pPr algn="ctr"/>
-            <a:endParaRPr lang="en-GB" noProof="0" dirty="0"/>
-          </a:p>
-        </p:txBody>
-      </p:sp>
-      <p:sp>
-        <p:nvSpPr>
-          <p:cNvPr id="146" name="Rectangle : coins arrondis 145">
-            <a:extLst>
-              <a:ext uri="{FF2B5EF4-FFF2-40B4-BE49-F238E27FC236}">
-                <a16:creationId xmlns:a16="http://schemas.microsoft.com/office/drawing/2014/main" id="{D76107C6-330F-ABD7-98BD-895DF2544441}"/>
-              </a:ext>
-            </a:extLst>
-          </p:cNvPr>
-          <p:cNvSpPr/>
-          <p:nvPr/>
-        </p:nvSpPr>
-        <p:spPr>
-          <a:xfrm>
-            <a:off x="2343038" y="1485341"/>
-            <a:ext cx="333076" cy="309235"/>
-          </a:xfrm>
-          <a:prstGeom prst="roundRect">
-            <a:avLst/>
-          </a:prstGeom>
-          <a:noFill/>
-        </p:spPr>
-        <p:style>
-          <a:lnRef idx="2">
-            <a:schemeClr val="accent1">
-              <a:shade val="15000"/>
-            </a:schemeClr>
-          </a:lnRef>
-          <a:fillRef idx="1">
-            <a:schemeClr val="accent1"/>
-          </a:fillRef>
-          <a:effectRef idx="0">
-            <a:schemeClr val="accent1"/>
-          </a:effectRef>
-          <a:fontRef idx="minor">
-            <a:schemeClr val="lt1"/>
-          </a:fontRef>
-        </p:style>
-        <p:txBody>
-          <a:bodyPr rtlCol="0" anchor="ctr"/>
-          <a:lstStyle/>
-          <a:p>
-            <a:pPr algn="ctr"/>
-            <a:endParaRPr lang="en-GB" noProof="0" dirty="0"/>
-          </a:p>
-        </p:txBody>
-      </p:sp>
       <p:pic>
         <p:nvPicPr>
           <p:cNvPr id="154" name="Image 153">
@@ -3367,6 +3110,76 @@
           </a:prstGeom>
         </p:spPr>
       </p:pic>
+      <p:sp>
+        <p:nvSpPr>
+          <p:cNvPr id="20" name="ZoneTexte 19">
+            <a:extLst>
+              <a:ext uri="{FF2B5EF4-FFF2-40B4-BE49-F238E27FC236}">
+                <a16:creationId xmlns:a16="http://schemas.microsoft.com/office/drawing/2014/main" id="{72E01FBA-D518-D770-65C9-CA3D02D9B0E7}"/>
+              </a:ext>
+            </a:extLst>
+          </p:cNvPr>
+          <p:cNvSpPr txBox="1"/>
+          <p:nvPr/>
+        </p:nvSpPr>
+        <p:spPr>
+          <a:xfrm>
+            <a:off x="12357" y="353854"/>
+            <a:ext cx="335348" cy="246221"/>
+          </a:xfrm>
+          <a:prstGeom prst="rect">
+            <a:avLst/>
+          </a:prstGeom>
+          <a:noFill/>
+        </p:spPr>
+        <p:txBody>
+          <a:bodyPr wrap="none" rtlCol="0">
+            <a:spAutoFit/>
+          </a:bodyPr>
+          <a:lstStyle/>
+          <a:p>
+            <a:r>
+              <a:rPr lang="fr-FR" sz="1000" dirty="0"/>
+              <a:t>(A)</a:t>
+            </a:r>
+          </a:p>
+        </p:txBody>
+      </p:sp>
+      <p:sp>
+        <p:nvSpPr>
+          <p:cNvPr id="21" name="ZoneTexte 20">
+            <a:extLst>
+              <a:ext uri="{FF2B5EF4-FFF2-40B4-BE49-F238E27FC236}">
+                <a16:creationId xmlns:a16="http://schemas.microsoft.com/office/drawing/2014/main" id="{E9497EF0-316A-9BAC-0EAA-1C79FD33B1B2}"/>
+              </a:ext>
+            </a:extLst>
+          </p:cNvPr>
+          <p:cNvSpPr txBox="1"/>
+          <p:nvPr/>
+        </p:nvSpPr>
+        <p:spPr>
+          <a:xfrm>
+            <a:off x="2343038" y="25903"/>
+            <a:ext cx="332142" cy="246221"/>
+          </a:xfrm>
+          <a:prstGeom prst="rect">
+            <a:avLst/>
+          </a:prstGeom>
+          <a:noFill/>
+        </p:spPr>
+        <p:txBody>
+          <a:bodyPr wrap="none" rtlCol="0">
+            <a:spAutoFit/>
+          </a:bodyPr>
+          <a:lstStyle/>
+          <a:p>
+            <a:r>
+              <a:rPr lang="fr-FR" sz="1000" dirty="0"/>
+              <a:t>(B)</a:t>
+            </a:r>
+          </a:p>
+        </p:txBody>
+      </p:sp>
       <p:pic>
         <p:nvPicPr>
           <p:cNvPr id="155" name="Image 154">
@@ -3397,6 +3210,193 @@
           </a:prstGeom>
         </p:spPr>
       </p:pic>
+      <p:sp>
+        <p:nvSpPr>
+          <p:cNvPr id="23" name="ZoneTexte 22">
+            <a:extLst>
+              <a:ext uri="{FF2B5EF4-FFF2-40B4-BE49-F238E27FC236}">
+                <a16:creationId xmlns:a16="http://schemas.microsoft.com/office/drawing/2014/main" id="{53EB65AE-8E45-3B96-3644-95F7DD301E67}"/>
+              </a:ext>
+            </a:extLst>
+          </p:cNvPr>
+          <p:cNvSpPr txBox="1"/>
+          <p:nvPr/>
+        </p:nvSpPr>
+        <p:spPr>
+          <a:xfrm>
+            <a:off x="9952" y="1758939"/>
+            <a:ext cx="340158" cy="246221"/>
+          </a:xfrm>
+          <a:prstGeom prst="rect">
+            <a:avLst/>
+          </a:prstGeom>
+          <a:noFill/>
+        </p:spPr>
+        <p:txBody>
+          <a:bodyPr wrap="none" rtlCol="0">
+            <a:spAutoFit/>
+          </a:bodyPr>
+          <a:lstStyle/>
+          <a:p>
+            <a:r>
+              <a:rPr lang="fr-FR" sz="1000" dirty="0"/>
+              <a:t>(D)</a:t>
+            </a:r>
+          </a:p>
+        </p:txBody>
+      </p:sp>
+      <p:sp>
+        <p:nvSpPr>
+          <p:cNvPr id="24" name="ZoneTexte 23">
+            <a:extLst>
+              <a:ext uri="{FF2B5EF4-FFF2-40B4-BE49-F238E27FC236}">
+                <a16:creationId xmlns:a16="http://schemas.microsoft.com/office/drawing/2014/main" id="{F0556C2E-EB1B-9628-4126-6B04AB317219}"/>
+              </a:ext>
+            </a:extLst>
+          </p:cNvPr>
+          <p:cNvSpPr txBox="1"/>
+          <p:nvPr/>
+        </p:nvSpPr>
+        <p:spPr>
+          <a:xfrm>
+            <a:off x="4091536" y="25902"/>
+            <a:ext cx="330540" cy="246221"/>
+          </a:xfrm>
+          <a:prstGeom prst="rect">
+            <a:avLst/>
+          </a:prstGeom>
+          <a:noFill/>
+        </p:spPr>
+        <p:txBody>
+          <a:bodyPr wrap="none" rtlCol="0">
+            <a:spAutoFit/>
+          </a:bodyPr>
+          <a:lstStyle/>
+          <a:p>
+            <a:r>
+              <a:rPr lang="fr-FR" sz="1000" dirty="0"/>
+              <a:t>(C)</a:t>
+            </a:r>
+          </a:p>
+        </p:txBody>
+      </p:sp>
+      <p:sp>
+        <p:nvSpPr>
+          <p:cNvPr id="118" name="ZoneTexte 117">
+            <a:extLst>
+              <a:ext uri="{FF2B5EF4-FFF2-40B4-BE49-F238E27FC236}">
+                <a16:creationId xmlns:a16="http://schemas.microsoft.com/office/drawing/2014/main" id="{A55CA43F-E0FE-9D48-A3EC-D261050E2DDE}"/>
+              </a:ext>
+            </a:extLst>
+          </p:cNvPr>
+          <p:cNvSpPr txBox="1"/>
+          <p:nvPr/>
+        </p:nvSpPr>
+        <p:spPr>
+          <a:xfrm>
+            <a:off x="2343038" y="1764570"/>
+            <a:ext cx="324128" cy="246221"/>
+          </a:xfrm>
+          <a:prstGeom prst="rect">
+            <a:avLst/>
+          </a:prstGeom>
+          <a:noFill/>
+        </p:spPr>
+        <p:txBody>
+          <a:bodyPr wrap="none" rtlCol="0">
+            <a:spAutoFit/>
+          </a:bodyPr>
+          <a:lstStyle/>
+          <a:p>
+            <a:r>
+              <a:rPr lang="fr-FR" sz="1000" dirty="0"/>
+              <a:t>(E)</a:t>
+            </a:r>
+          </a:p>
+        </p:txBody>
+      </p:sp>
+      <p:sp>
+        <p:nvSpPr>
+          <p:cNvPr id="119" name="ZoneTexte 118">
+            <a:extLst>
+              <a:ext uri="{FF2B5EF4-FFF2-40B4-BE49-F238E27FC236}">
+                <a16:creationId xmlns:a16="http://schemas.microsoft.com/office/drawing/2014/main" id="{7E2358E3-77C2-6425-492C-F7161F352D6D}"/>
+              </a:ext>
+            </a:extLst>
+          </p:cNvPr>
+          <p:cNvSpPr txBox="1"/>
+          <p:nvPr/>
+        </p:nvSpPr>
+        <p:spPr>
+          <a:xfrm>
+            <a:off x="4129944" y="1764570"/>
+            <a:ext cx="320922" cy="246221"/>
+          </a:xfrm>
+          <a:prstGeom prst="rect">
+            <a:avLst/>
+          </a:prstGeom>
+          <a:noFill/>
+        </p:spPr>
+        <p:txBody>
+          <a:bodyPr wrap="none" rtlCol="0">
+            <a:spAutoFit/>
+          </a:bodyPr>
+          <a:lstStyle/>
+          <a:p>
+            <a:r>
+              <a:rPr lang="fr-FR" sz="1000" dirty="0"/>
+              <a:t>(F)</a:t>
+            </a:r>
+          </a:p>
+        </p:txBody>
+      </p:sp>
+      <p:sp>
+        <p:nvSpPr>
+          <p:cNvPr id="143" name="Rectangle : coins arrondis 142">
+            <a:extLst>
+              <a:ext uri="{FF2B5EF4-FFF2-40B4-BE49-F238E27FC236}">
+                <a16:creationId xmlns:a16="http://schemas.microsoft.com/office/drawing/2014/main" id="{2AC94B78-F3B4-6A71-0440-E2FEAC44EFEC}"/>
+              </a:ext>
+            </a:extLst>
+          </p:cNvPr>
+          <p:cNvSpPr/>
+          <p:nvPr/>
+        </p:nvSpPr>
+        <p:spPr>
+          <a:xfrm>
+            <a:off x="60123" y="41061"/>
+            <a:ext cx="332143" cy="318633"/>
+          </a:xfrm>
+          <a:prstGeom prst="roundRect">
+            <a:avLst/>
+          </a:prstGeom>
+          <a:noFill/>
+        </p:spPr>
+        <p:style>
+          <a:lnRef idx="2">
+            <a:schemeClr val="accent1">
+              <a:shade val="15000"/>
+            </a:schemeClr>
+          </a:lnRef>
+          <a:fillRef idx="1">
+            <a:schemeClr val="accent1"/>
+          </a:fillRef>
+          <a:effectRef idx="0">
+            <a:schemeClr val="accent1"/>
+          </a:effectRef>
+          <a:fontRef idx="minor">
+            <a:schemeClr val="lt1"/>
+          </a:fontRef>
+        </p:style>
+        <p:txBody>
+          <a:bodyPr rtlCol="0" anchor="ctr"/>
+          <a:lstStyle/>
+          <a:p>
+            <a:pPr algn="ctr"/>
+            <a:endParaRPr lang="en-GB" noProof="0" dirty="0"/>
+          </a:p>
+        </p:txBody>
+      </p:sp>
     </p:spTree>
     <p:extLst>
       <p:ext uri="{BB962C8B-B14F-4D97-AF65-F5344CB8AC3E}">

--- a/figures/Figure_1.pptx
+++ b/figures/Figure_1.pptx
@@ -2,12 +2,12 @@
 <file path=ppt/presentation.xml><?xml version="1.0" encoding="utf-8"?>
 <p:presentation xmlns:a="http://schemas.openxmlformats.org/drawingml/2006/main" xmlns:r="http://schemas.openxmlformats.org/officeDocument/2006/relationships" xmlns:p="http://schemas.openxmlformats.org/presentationml/2006/main" saveSubsetFonts="1" autoCompressPictures="0">
   <p:sldMasterIdLst>
-    <p:sldMasterId id="2147483672" r:id="rId1"/>
+    <p:sldMasterId id="2147483732" r:id="rId1"/>
   </p:sldMasterIdLst>
   <p:sldIdLst>
     <p:sldId id="256" r:id="rId2"/>
   </p:sldIdLst>
-  <p:sldSz cx="6119813" cy="3240088"/>
+  <p:sldSz cx="3060700" cy="4319588"/>
   <p:notesSz cx="6858000" cy="9144000"/>
   <p:defaultTextStyle>
     <a:defPPr>
@@ -141,15 +141,15 @@
         </p:nvSpPr>
         <p:spPr>
           <a:xfrm>
-            <a:off x="764977" y="530264"/>
-            <a:ext cx="4589860" cy="1128031"/>
+            <a:off x="229553" y="706933"/>
+            <a:ext cx="2601595" cy="1503857"/>
           </a:xfrm>
         </p:spPr>
         <p:txBody>
           <a:bodyPr anchor="b"/>
           <a:lstStyle>
             <a:lvl1pPr algn="ctr">
-              <a:defRPr sz="2835"/>
+              <a:defRPr sz="2008"/>
             </a:lvl1pPr>
           </a:lstStyle>
           <a:p>
@@ -173,8 +173,8 @@
         </p:nvSpPr>
         <p:spPr>
           <a:xfrm>
-            <a:off x="764977" y="1701796"/>
-            <a:ext cx="4589860" cy="782271"/>
+            <a:off x="382588" y="2268784"/>
+            <a:ext cx="2295525" cy="1042900"/>
           </a:xfrm>
         </p:spPr>
         <p:txBody>
@@ -182,39 +182,39 @@
           <a:lstStyle>
             <a:lvl1pPr marL="0" indent="0" algn="ctr">
               <a:buNone/>
-              <a:defRPr sz="1134"/>
+              <a:defRPr sz="803"/>
             </a:lvl1pPr>
-            <a:lvl2pPr marL="216027" indent="0" algn="ctr">
-              <a:buNone/>
-              <a:defRPr sz="945"/>
+            <a:lvl2pPr marL="153025" indent="0" algn="ctr">
+              <a:buNone/>
+              <a:defRPr sz="669"/>
             </a:lvl2pPr>
-            <a:lvl3pPr marL="432054" indent="0" algn="ctr">
-              <a:buNone/>
-              <a:defRPr sz="851"/>
+            <a:lvl3pPr marL="306050" indent="0" algn="ctr">
+              <a:buNone/>
+              <a:defRPr sz="602"/>
             </a:lvl3pPr>
-            <a:lvl4pPr marL="648081" indent="0" algn="ctr">
-              <a:buNone/>
-              <a:defRPr sz="756"/>
+            <a:lvl4pPr marL="459075" indent="0" algn="ctr">
+              <a:buNone/>
+              <a:defRPr sz="536"/>
             </a:lvl4pPr>
-            <a:lvl5pPr marL="864108" indent="0" algn="ctr">
-              <a:buNone/>
-              <a:defRPr sz="756"/>
+            <a:lvl5pPr marL="612099" indent="0" algn="ctr">
+              <a:buNone/>
+              <a:defRPr sz="536"/>
             </a:lvl5pPr>
-            <a:lvl6pPr marL="1080135" indent="0" algn="ctr">
-              <a:buNone/>
-              <a:defRPr sz="756"/>
+            <a:lvl6pPr marL="765124" indent="0" algn="ctr">
+              <a:buNone/>
+              <a:defRPr sz="536"/>
             </a:lvl6pPr>
-            <a:lvl7pPr marL="1296162" indent="0" algn="ctr">
-              <a:buNone/>
-              <a:defRPr sz="756"/>
+            <a:lvl7pPr marL="918149" indent="0" algn="ctr">
+              <a:buNone/>
+              <a:defRPr sz="536"/>
             </a:lvl7pPr>
-            <a:lvl8pPr marL="1512189" indent="0" algn="ctr">
-              <a:buNone/>
-              <a:defRPr sz="756"/>
+            <a:lvl8pPr marL="1071174" indent="0" algn="ctr">
+              <a:buNone/>
+              <a:defRPr sz="536"/>
             </a:lvl8pPr>
-            <a:lvl9pPr marL="1728216" indent="0" algn="ctr">
-              <a:buNone/>
-              <a:defRPr sz="756"/>
+            <a:lvl9pPr marL="1224199" indent="0" algn="ctr">
+              <a:buNone/>
+              <a:defRPr sz="536"/>
             </a:lvl9pPr>
           </a:lstStyle>
           <a:p>
@@ -243,7 +243,7 @@
           <a:p>
             <a:fld id="{ED160DB6-C0DC-8946-AD05-C0754294CFDE}" type="datetimeFigureOut">
               <a:rPr lang="fr-FR" smtClean="0"/>
-              <a:t>09/07/2025</a:t>
+              <a:t>16/07/2025</a:t>
             </a:fld>
             <a:endParaRPr lang="fr-FR"/>
           </a:p>
@@ -294,7 +294,7 @@
     </p:spTree>
     <p:extLst>
       <p:ext uri="{BB962C8B-B14F-4D97-AF65-F5344CB8AC3E}">
-        <p14:creationId xmlns:p14="http://schemas.microsoft.com/office/powerpoint/2010/main" val="2791668791"/>
+        <p14:creationId xmlns:p14="http://schemas.microsoft.com/office/powerpoint/2010/main" val="2480120673"/>
       </p:ext>
     </p:extLst>
   </p:cSld>
@@ -413,7 +413,7 @@
           <a:p>
             <a:fld id="{ED160DB6-C0DC-8946-AD05-C0754294CFDE}" type="datetimeFigureOut">
               <a:rPr lang="fr-FR" smtClean="0"/>
-              <a:t>09/07/2025</a:t>
+              <a:t>16/07/2025</a:t>
             </a:fld>
             <a:endParaRPr lang="fr-FR"/>
           </a:p>
@@ -464,7 +464,7 @@
     </p:spTree>
     <p:extLst>
       <p:ext uri="{BB962C8B-B14F-4D97-AF65-F5344CB8AC3E}">
-        <p14:creationId xmlns:p14="http://schemas.microsoft.com/office/powerpoint/2010/main" val="2013182107"/>
+        <p14:creationId xmlns:p14="http://schemas.microsoft.com/office/powerpoint/2010/main" val="2127728305"/>
       </p:ext>
     </p:extLst>
   </p:cSld>
@@ -503,8 +503,8 @@
         </p:nvSpPr>
         <p:spPr>
           <a:xfrm>
-            <a:off x="4379491" y="172505"/>
-            <a:ext cx="1319585" cy="2745825"/>
+            <a:off x="2190314" y="229978"/>
+            <a:ext cx="659963" cy="3660651"/>
           </a:xfrm>
         </p:spPr>
         <p:txBody>
@@ -531,8 +531,8 @@
         </p:nvSpPr>
         <p:spPr>
           <a:xfrm>
-            <a:off x="420737" y="172505"/>
-            <a:ext cx="3882256" cy="2745825"/>
+            <a:off x="210423" y="229978"/>
+            <a:ext cx="1941632" cy="3660651"/>
           </a:xfrm>
         </p:spPr>
         <p:txBody>
@@ -593,7 +593,7 @@
           <a:p>
             <a:fld id="{ED160DB6-C0DC-8946-AD05-C0754294CFDE}" type="datetimeFigureOut">
               <a:rPr lang="fr-FR" smtClean="0"/>
-              <a:t>09/07/2025</a:t>
+              <a:t>16/07/2025</a:t>
             </a:fld>
             <a:endParaRPr lang="fr-FR"/>
           </a:p>
@@ -644,7 +644,7 @@
     </p:spTree>
     <p:extLst>
       <p:ext uri="{BB962C8B-B14F-4D97-AF65-F5344CB8AC3E}">
-        <p14:creationId xmlns:p14="http://schemas.microsoft.com/office/powerpoint/2010/main" val="681104676"/>
+        <p14:creationId xmlns:p14="http://schemas.microsoft.com/office/powerpoint/2010/main" val="2968346037"/>
       </p:ext>
     </p:extLst>
   </p:cSld>
@@ -763,7 +763,7 @@
           <a:p>
             <a:fld id="{ED160DB6-C0DC-8946-AD05-C0754294CFDE}" type="datetimeFigureOut">
               <a:rPr lang="fr-FR" smtClean="0"/>
-              <a:t>09/07/2025</a:t>
+              <a:t>16/07/2025</a:t>
             </a:fld>
             <a:endParaRPr lang="fr-FR"/>
           </a:p>
@@ -814,7 +814,7 @@
     </p:spTree>
     <p:extLst>
       <p:ext uri="{BB962C8B-B14F-4D97-AF65-F5344CB8AC3E}">
-        <p14:creationId xmlns:p14="http://schemas.microsoft.com/office/powerpoint/2010/main" val="492596333"/>
+        <p14:creationId xmlns:p14="http://schemas.microsoft.com/office/powerpoint/2010/main" val="925057142"/>
       </p:ext>
     </p:extLst>
   </p:cSld>
@@ -853,15 +853,15 @@
         </p:nvSpPr>
         <p:spPr>
           <a:xfrm>
-            <a:off x="417550" y="807773"/>
-            <a:ext cx="5278339" cy="1347786"/>
+            <a:off x="208829" y="1076899"/>
+            <a:ext cx="2639854" cy="1796828"/>
           </a:xfrm>
         </p:spPr>
         <p:txBody>
           <a:bodyPr anchor="b"/>
           <a:lstStyle>
             <a:lvl1pPr>
-              <a:defRPr sz="2835"/>
+              <a:defRPr sz="2008"/>
             </a:lvl1pPr>
           </a:lstStyle>
           <a:p>
@@ -885,8 +885,8 @@
         </p:nvSpPr>
         <p:spPr>
           <a:xfrm>
-            <a:off x="417550" y="2168309"/>
-            <a:ext cx="5278339" cy="708769"/>
+            <a:off x="208829" y="2890725"/>
+            <a:ext cx="2639854" cy="944910"/>
           </a:xfrm>
         </p:spPr>
         <p:txBody>
@@ -894,17 +894,15 @@
           <a:lstStyle>
             <a:lvl1pPr marL="0" indent="0">
               <a:buNone/>
-              <a:defRPr sz="1134">
+              <a:defRPr sz="803">
                 <a:solidFill>
-                  <a:schemeClr val="tx1">
-                    <a:tint val="75000"/>
-                  </a:schemeClr>
+                  <a:schemeClr val="tx1"/>
                 </a:solidFill>
               </a:defRPr>
             </a:lvl1pPr>
-            <a:lvl2pPr marL="216027" indent="0">
-              <a:buNone/>
-              <a:defRPr sz="945">
+            <a:lvl2pPr marL="153025" indent="0">
+              <a:buNone/>
+              <a:defRPr sz="669">
                 <a:solidFill>
                   <a:schemeClr val="tx1">
                     <a:tint val="75000"/>
@@ -912,9 +910,9 @@
                 </a:solidFill>
               </a:defRPr>
             </a:lvl2pPr>
-            <a:lvl3pPr marL="432054" indent="0">
-              <a:buNone/>
-              <a:defRPr sz="851">
+            <a:lvl3pPr marL="306050" indent="0">
+              <a:buNone/>
+              <a:defRPr sz="602">
                 <a:solidFill>
                   <a:schemeClr val="tx1">
                     <a:tint val="75000"/>
@@ -922,9 +920,9 @@
                 </a:solidFill>
               </a:defRPr>
             </a:lvl3pPr>
-            <a:lvl4pPr marL="648081" indent="0">
-              <a:buNone/>
-              <a:defRPr sz="756">
+            <a:lvl4pPr marL="459075" indent="0">
+              <a:buNone/>
+              <a:defRPr sz="536">
                 <a:solidFill>
                   <a:schemeClr val="tx1">
                     <a:tint val="75000"/>
@@ -932,9 +930,9 @@
                 </a:solidFill>
               </a:defRPr>
             </a:lvl4pPr>
-            <a:lvl5pPr marL="864108" indent="0">
-              <a:buNone/>
-              <a:defRPr sz="756">
+            <a:lvl5pPr marL="612099" indent="0">
+              <a:buNone/>
+              <a:defRPr sz="536">
                 <a:solidFill>
                   <a:schemeClr val="tx1">
                     <a:tint val="75000"/>
@@ -942,9 +940,9 @@
                 </a:solidFill>
               </a:defRPr>
             </a:lvl5pPr>
-            <a:lvl6pPr marL="1080135" indent="0">
-              <a:buNone/>
-              <a:defRPr sz="756">
+            <a:lvl6pPr marL="765124" indent="0">
+              <a:buNone/>
+              <a:defRPr sz="536">
                 <a:solidFill>
                   <a:schemeClr val="tx1">
                     <a:tint val="75000"/>
@@ -952,9 +950,9 @@
                 </a:solidFill>
               </a:defRPr>
             </a:lvl6pPr>
-            <a:lvl7pPr marL="1296162" indent="0">
-              <a:buNone/>
-              <a:defRPr sz="756">
+            <a:lvl7pPr marL="918149" indent="0">
+              <a:buNone/>
+              <a:defRPr sz="536">
                 <a:solidFill>
                   <a:schemeClr val="tx1">
                     <a:tint val="75000"/>
@@ -962,9 +960,9 @@
                 </a:solidFill>
               </a:defRPr>
             </a:lvl7pPr>
-            <a:lvl8pPr marL="1512189" indent="0">
-              <a:buNone/>
-              <a:defRPr sz="756">
+            <a:lvl8pPr marL="1071174" indent="0">
+              <a:buNone/>
+              <a:defRPr sz="536">
                 <a:solidFill>
                   <a:schemeClr val="tx1">
                     <a:tint val="75000"/>
@@ -972,9 +970,9 @@
                 </a:solidFill>
               </a:defRPr>
             </a:lvl8pPr>
-            <a:lvl9pPr marL="1728216" indent="0">
-              <a:buNone/>
-              <a:defRPr sz="756">
+            <a:lvl9pPr marL="1224199" indent="0">
+              <a:buNone/>
+              <a:defRPr sz="536">
                 <a:solidFill>
                   <a:schemeClr val="tx1">
                     <a:tint val="75000"/>
@@ -1009,7 +1007,7 @@
           <a:p>
             <a:fld id="{ED160DB6-C0DC-8946-AD05-C0754294CFDE}" type="datetimeFigureOut">
               <a:rPr lang="fr-FR" smtClean="0"/>
-              <a:t>09/07/2025</a:t>
+              <a:t>16/07/2025</a:t>
             </a:fld>
             <a:endParaRPr lang="fr-FR"/>
           </a:p>
@@ -1060,7 +1058,7 @@
     </p:spTree>
     <p:extLst>
       <p:ext uri="{BB962C8B-B14F-4D97-AF65-F5344CB8AC3E}">
-        <p14:creationId xmlns:p14="http://schemas.microsoft.com/office/powerpoint/2010/main" val="4168383215"/>
+        <p14:creationId xmlns:p14="http://schemas.microsoft.com/office/powerpoint/2010/main" val="570474786"/>
       </p:ext>
     </p:extLst>
   </p:cSld>
@@ -1122,8 +1120,8 @@
         </p:nvSpPr>
         <p:spPr>
           <a:xfrm>
-            <a:off x="420737" y="862523"/>
-            <a:ext cx="2600921" cy="2055806"/>
+            <a:off x="210423" y="1149890"/>
+            <a:ext cx="1300798" cy="2740739"/>
           </a:xfrm>
         </p:spPr>
         <p:txBody>
@@ -1179,8 +1177,8 @@
         </p:nvSpPr>
         <p:spPr>
           <a:xfrm>
-            <a:off x="3098155" y="862523"/>
-            <a:ext cx="2600921" cy="2055806"/>
+            <a:off x="1549479" y="1149890"/>
+            <a:ext cx="1300798" cy="2740739"/>
           </a:xfrm>
         </p:spPr>
         <p:txBody>
@@ -1241,7 +1239,7 @@
           <a:p>
             <a:fld id="{ED160DB6-C0DC-8946-AD05-C0754294CFDE}" type="datetimeFigureOut">
               <a:rPr lang="fr-FR" smtClean="0"/>
-              <a:t>09/07/2025</a:t>
+              <a:t>16/07/2025</a:t>
             </a:fld>
             <a:endParaRPr lang="fr-FR"/>
           </a:p>
@@ -1292,7 +1290,7 @@
     </p:spTree>
     <p:extLst>
       <p:ext uri="{BB962C8B-B14F-4D97-AF65-F5344CB8AC3E}">
-        <p14:creationId xmlns:p14="http://schemas.microsoft.com/office/powerpoint/2010/main" val="1841432372"/>
+        <p14:creationId xmlns:p14="http://schemas.microsoft.com/office/powerpoint/2010/main" val="3286271054"/>
       </p:ext>
     </p:extLst>
   </p:cSld>
@@ -1331,8 +1329,8 @@
         </p:nvSpPr>
         <p:spPr>
           <a:xfrm>
-            <a:off x="421534" y="172505"/>
-            <a:ext cx="5278339" cy="626267"/>
+            <a:off x="210822" y="229979"/>
+            <a:ext cx="2639854" cy="834921"/>
           </a:xfrm>
         </p:spPr>
         <p:txBody>
@@ -1359,8 +1357,8 @@
         </p:nvSpPr>
         <p:spPr>
           <a:xfrm>
-            <a:off x="421534" y="794272"/>
-            <a:ext cx="2588968" cy="389260"/>
+            <a:off x="210822" y="1058899"/>
+            <a:ext cx="1294819" cy="518950"/>
           </a:xfrm>
         </p:spPr>
         <p:txBody>
@@ -1368,39 +1366,39 @@
           <a:lstStyle>
             <a:lvl1pPr marL="0" indent="0">
               <a:buNone/>
-              <a:defRPr sz="1134" b="1"/>
+              <a:defRPr sz="803" b="1"/>
             </a:lvl1pPr>
-            <a:lvl2pPr marL="216027" indent="0">
-              <a:buNone/>
-              <a:defRPr sz="945" b="1"/>
+            <a:lvl2pPr marL="153025" indent="0">
+              <a:buNone/>
+              <a:defRPr sz="669" b="1"/>
             </a:lvl2pPr>
-            <a:lvl3pPr marL="432054" indent="0">
-              <a:buNone/>
-              <a:defRPr sz="851" b="1"/>
+            <a:lvl3pPr marL="306050" indent="0">
+              <a:buNone/>
+              <a:defRPr sz="602" b="1"/>
             </a:lvl3pPr>
-            <a:lvl4pPr marL="648081" indent="0">
-              <a:buNone/>
-              <a:defRPr sz="756" b="1"/>
+            <a:lvl4pPr marL="459075" indent="0">
+              <a:buNone/>
+              <a:defRPr sz="536" b="1"/>
             </a:lvl4pPr>
-            <a:lvl5pPr marL="864108" indent="0">
-              <a:buNone/>
-              <a:defRPr sz="756" b="1"/>
+            <a:lvl5pPr marL="612099" indent="0">
+              <a:buNone/>
+              <a:defRPr sz="536" b="1"/>
             </a:lvl5pPr>
-            <a:lvl6pPr marL="1080135" indent="0">
-              <a:buNone/>
-              <a:defRPr sz="756" b="1"/>
+            <a:lvl6pPr marL="765124" indent="0">
+              <a:buNone/>
+              <a:defRPr sz="536" b="1"/>
             </a:lvl6pPr>
-            <a:lvl7pPr marL="1296162" indent="0">
-              <a:buNone/>
-              <a:defRPr sz="756" b="1"/>
+            <a:lvl7pPr marL="918149" indent="0">
+              <a:buNone/>
+              <a:defRPr sz="536" b="1"/>
             </a:lvl7pPr>
-            <a:lvl8pPr marL="1512189" indent="0">
-              <a:buNone/>
-              <a:defRPr sz="756" b="1"/>
+            <a:lvl8pPr marL="1071174" indent="0">
+              <a:buNone/>
+              <a:defRPr sz="536" b="1"/>
             </a:lvl8pPr>
-            <a:lvl9pPr marL="1728216" indent="0">
-              <a:buNone/>
-              <a:defRPr sz="756" b="1"/>
+            <a:lvl9pPr marL="1224199" indent="0">
+              <a:buNone/>
+              <a:defRPr sz="536" b="1"/>
             </a:lvl9pPr>
           </a:lstStyle>
           <a:p>
@@ -1424,8 +1422,8 @@
         </p:nvSpPr>
         <p:spPr>
           <a:xfrm>
-            <a:off x="421534" y="1183532"/>
-            <a:ext cx="2588968" cy="1740798"/>
+            <a:off x="210822" y="1577849"/>
+            <a:ext cx="1294819" cy="2320779"/>
           </a:xfrm>
         </p:spPr>
         <p:txBody>
@@ -1481,8 +1479,8 @@
         </p:nvSpPr>
         <p:spPr>
           <a:xfrm>
-            <a:off x="3098155" y="794272"/>
-            <a:ext cx="2601718" cy="389260"/>
+            <a:off x="1549480" y="1058899"/>
+            <a:ext cx="1301196" cy="518950"/>
           </a:xfrm>
         </p:spPr>
         <p:txBody>
@@ -1490,39 +1488,39 @@
           <a:lstStyle>
             <a:lvl1pPr marL="0" indent="0">
               <a:buNone/>
-              <a:defRPr sz="1134" b="1"/>
+              <a:defRPr sz="803" b="1"/>
             </a:lvl1pPr>
-            <a:lvl2pPr marL="216027" indent="0">
-              <a:buNone/>
-              <a:defRPr sz="945" b="1"/>
+            <a:lvl2pPr marL="153025" indent="0">
+              <a:buNone/>
+              <a:defRPr sz="669" b="1"/>
             </a:lvl2pPr>
-            <a:lvl3pPr marL="432054" indent="0">
-              <a:buNone/>
-              <a:defRPr sz="851" b="1"/>
+            <a:lvl3pPr marL="306050" indent="0">
+              <a:buNone/>
+              <a:defRPr sz="602" b="1"/>
             </a:lvl3pPr>
-            <a:lvl4pPr marL="648081" indent="0">
-              <a:buNone/>
-              <a:defRPr sz="756" b="1"/>
+            <a:lvl4pPr marL="459075" indent="0">
+              <a:buNone/>
+              <a:defRPr sz="536" b="1"/>
             </a:lvl4pPr>
-            <a:lvl5pPr marL="864108" indent="0">
-              <a:buNone/>
-              <a:defRPr sz="756" b="1"/>
+            <a:lvl5pPr marL="612099" indent="0">
+              <a:buNone/>
+              <a:defRPr sz="536" b="1"/>
             </a:lvl5pPr>
-            <a:lvl6pPr marL="1080135" indent="0">
-              <a:buNone/>
-              <a:defRPr sz="756" b="1"/>
+            <a:lvl6pPr marL="765124" indent="0">
+              <a:buNone/>
+              <a:defRPr sz="536" b="1"/>
             </a:lvl6pPr>
-            <a:lvl7pPr marL="1296162" indent="0">
-              <a:buNone/>
-              <a:defRPr sz="756" b="1"/>
+            <a:lvl7pPr marL="918149" indent="0">
+              <a:buNone/>
+              <a:defRPr sz="536" b="1"/>
             </a:lvl7pPr>
-            <a:lvl8pPr marL="1512189" indent="0">
-              <a:buNone/>
-              <a:defRPr sz="756" b="1"/>
+            <a:lvl8pPr marL="1071174" indent="0">
+              <a:buNone/>
+              <a:defRPr sz="536" b="1"/>
             </a:lvl8pPr>
-            <a:lvl9pPr marL="1728216" indent="0">
-              <a:buNone/>
-              <a:defRPr sz="756" b="1"/>
+            <a:lvl9pPr marL="1224199" indent="0">
+              <a:buNone/>
+              <a:defRPr sz="536" b="1"/>
             </a:lvl9pPr>
           </a:lstStyle>
           <a:p>
@@ -1546,8 +1544,8 @@
         </p:nvSpPr>
         <p:spPr>
           <a:xfrm>
-            <a:off x="3098155" y="1183532"/>
-            <a:ext cx="2601718" cy="1740798"/>
+            <a:off x="1549480" y="1577849"/>
+            <a:ext cx="1301196" cy="2320779"/>
           </a:xfrm>
         </p:spPr>
         <p:txBody>
@@ -1608,7 +1606,7 @@
           <a:p>
             <a:fld id="{ED160DB6-C0DC-8946-AD05-C0754294CFDE}" type="datetimeFigureOut">
               <a:rPr lang="fr-FR" smtClean="0"/>
-              <a:t>09/07/2025</a:t>
+              <a:t>16/07/2025</a:t>
             </a:fld>
             <a:endParaRPr lang="fr-FR"/>
           </a:p>
@@ -1659,7 +1657,7 @@
     </p:spTree>
     <p:extLst>
       <p:ext uri="{BB962C8B-B14F-4D97-AF65-F5344CB8AC3E}">
-        <p14:creationId xmlns:p14="http://schemas.microsoft.com/office/powerpoint/2010/main" val="1087318339"/>
+        <p14:creationId xmlns:p14="http://schemas.microsoft.com/office/powerpoint/2010/main" val="1322424088"/>
       </p:ext>
     </p:extLst>
   </p:cSld>
@@ -1726,7 +1724,7 @@
           <a:p>
             <a:fld id="{ED160DB6-C0DC-8946-AD05-C0754294CFDE}" type="datetimeFigureOut">
               <a:rPr lang="fr-FR" smtClean="0"/>
-              <a:t>09/07/2025</a:t>
+              <a:t>16/07/2025</a:t>
             </a:fld>
             <a:endParaRPr lang="fr-FR"/>
           </a:p>
@@ -1777,7 +1775,7 @@
     </p:spTree>
     <p:extLst>
       <p:ext uri="{BB962C8B-B14F-4D97-AF65-F5344CB8AC3E}">
-        <p14:creationId xmlns:p14="http://schemas.microsoft.com/office/powerpoint/2010/main" val="1885900236"/>
+        <p14:creationId xmlns:p14="http://schemas.microsoft.com/office/powerpoint/2010/main" val="3794526630"/>
       </p:ext>
     </p:extLst>
   </p:cSld>
@@ -1821,7 +1819,7 @@
           <a:p>
             <a:fld id="{ED160DB6-C0DC-8946-AD05-C0754294CFDE}" type="datetimeFigureOut">
               <a:rPr lang="fr-FR" smtClean="0"/>
-              <a:t>09/07/2025</a:t>
+              <a:t>16/07/2025</a:t>
             </a:fld>
             <a:endParaRPr lang="fr-FR"/>
           </a:p>
@@ -1872,7 +1870,7 @@
     </p:spTree>
     <p:extLst>
       <p:ext uri="{BB962C8B-B14F-4D97-AF65-F5344CB8AC3E}">
-        <p14:creationId xmlns:p14="http://schemas.microsoft.com/office/powerpoint/2010/main" val="4043624217"/>
+        <p14:creationId xmlns:p14="http://schemas.microsoft.com/office/powerpoint/2010/main" val="1277595801"/>
       </p:ext>
     </p:extLst>
   </p:cSld>
@@ -1911,15 +1909,15 @@
         </p:nvSpPr>
         <p:spPr>
           <a:xfrm>
-            <a:off x="421534" y="216006"/>
-            <a:ext cx="1973799" cy="756021"/>
+            <a:off x="210822" y="287972"/>
+            <a:ext cx="987155" cy="1007904"/>
           </a:xfrm>
         </p:spPr>
         <p:txBody>
           <a:bodyPr anchor="b"/>
           <a:lstStyle>
             <a:lvl1pPr>
-              <a:defRPr sz="1512"/>
+              <a:defRPr sz="1071"/>
             </a:lvl1pPr>
           </a:lstStyle>
           <a:p>
@@ -1943,39 +1941,39 @@
         </p:nvSpPr>
         <p:spPr>
           <a:xfrm>
-            <a:off x="2601718" y="466513"/>
-            <a:ext cx="3098155" cy="2302563"/>
+            <a:off x="1301196" y="621942"/>
+            <a:ext cx="1549479" cy="3069707"/>
           </a:xfrm>
         </p:spPr>
         <p:txBody>
           <a:bodyPr/>
           <a:lstStyle>
             <a:lvl1pPr>
-              <a:defRPr sz="1512"/>
+              <a:defRPr sz="1071"/>
             </a:lvl1pPr>
             <a:lvl2pPr>
-              <a:defRPr sz="1323"/>
+              <a:defRPr sz="937"/>
             </a:lvl2pPr>
             <a:lvl3pPr>
-              <a:defRPr sz="1134"/>
+              <a:defRPr sz="803"/>
             </a:lvl3pPr>
             <a:lvl4pPr>
-              <a:defRPr sz="945"/>
+              <a:defRPr sz="669"/>
             </a:lvl4pPr>
             <a:lvl5pPr>
-              <a:defRPr sz="945"/>
+              <a:defRPr sz="669"/>
             </a:lvl5pPr>
             <a:lvl6pPr>
-              <a:defRPr sz="945"/>
+              <a:defRPr sz="669"/>
             </a:lvl6pPr>
             <a:lvl7pPr>
-              <a:defRPr sz="945"/>
+              <a:defRPr sz="669"/>
             </a:lvl7pPr>
             <a:lvl8pPr>
-              <a:defRPr sz="945"/>
+              <a:defRPr sz="669"/>
             </a:lvl8pPr>
             <a:lvl9pPr>
-              <a:defRPr sz="945"/>
+              <a:defRPr sz="669"/>
             </a:lvl9pPr>
           </a:lstStyle>
           <a:p>
@@ -2028,8 +2026,8 @@
         </p:nvSpPr>
         <p:spPr>
           <a:xfrm>
-            <a:off x="421534" y="972026"/>
-            <a:ext cx="1973799" cy="1800799"/>
+            <a:off x="210822" y="1295877"/>
+            <a:ext cx="987155" cy="2400771"/>
           </a:xfrm>
         </p:spPr>
         <p:txBody>
@@ -2037,39 +2035,39 @@
           <a:lstStyle>
             <a:lvl1pPr marL="0" indent="0">
               <a:buNone/>
-              <a:defRPr sz="756"/>
+              <a:defRPr sz="536"/>
             </a:lvl1pPr>
-            <a:lvl2pPr marL="216027" indent="0">
-              <a:buNone/>
-              <a:defRPr sz="662"/>
+            <a:lvl2pPr marL="153025" indent="0">
+              <a:buNone/>
+              <a:defRPr sz="469"/>
             </a:lvl2pPr>
-            <a:lvl3pPr marL="432054" indent="0">
-              <a:buNone/>
-              <a:defRPr sz="567"/>
+            <a:lvl3pPr marL="306050" indent="0">
+              <a:buNone/>
+              <a:defRPr sz="402"/>
             </a:lvl3pPr>
-            <a:lvl4pPr marL="648081" indent="0">
-              <a:buNone/>
-              <a:defRPr sz="472"/>
+            <a:lvl4pPr marL="459075" indent="0">
+              <a:buNone/>
+              <a:defRPr sz="335"/>
             </a:lvl4pPr>
-            <a:lvl5pPr marL="864108" indent="0">
-              <a:buNone/>
-              <a:defRPr sz="472"/>
+            <a:lvl5pPr marL="612099" indent="0">
+              <a:buNone/>
+              <a:defRPr sz="335"/>
             </a:lvl5pPr>
-            <a:lvl6pPr marL="1080135" indent="0">
-              <a:buNone/>
-              <a:defRPr sz="472"/>
+            <a:lvl6pPr marL="765124" indent="0">
+              <a:buNone/>
+              <a:defRPr sz="335"/>
             </a:lvl6pPr>
-            <a:lvl7pPr marL="1296162" indent="0">
-              <a:buNone/>
-              <a:defRPr sz="472"/>
+            <a:lvl7pPr marL="918149" indent="0">
+              <a:buNone/>
+              <a:defRPr sz="335"/>
             </a:lvl7pPr>
-            <a:lvl8pPr marL="1512189" indent="0">
-              <a:buNone/>
-              <a:defRPr sz="472"/>
+            <a:lvl8pPr marL="1071174" indent="0">
+              <a:buNone/>
+              <a:defRPr sz="335"/>
             </a:lvl8pPr>
-            <a:lvl9pPr marL="1728216" indent="0">
-              <a:buNone/>
-              <a:defRPr sz="472"/>
+            <a:lvl9pPr marL="1224199" indent="0">
+              <a:buNone/>
+              <a:defRPr sz="335"/>
             </a:lvl9pPr>
           </a:lstStyle>
           <a:p>
@@ -2098,7 +2096,7 @@
           <a:p>
             <a:fld id="{ED160DB6-C0DC-8946-AD05-C0754294CFDE}" type="datetimeFigureOut">
               <a:rPr lang="fr-FR" smtClean="0"/>
-              <a:t>09/07/2025</a:t>
+              <a:t>16/07/2025</a:t>
             </a:fld>
             <a:endParaRPr lang="fr-FR"/>
           </a:p>
@@ -2149,7 +2147,7 @@
     </p:spTree>
     <p:extLst>
       <p:ext uri="{BB962C8B-B14F-4D97-AF65-F5344CB8AC3E}">
-        <p14:creationId xmlns:p14="http://schemas.microsoft.com/office/powerpoint/2010/main" val="4055208235"/>
+        <p14:creationId xmlns:p14="http://schemas.microsoft.com/office/powerpoint/2010/main" val="160790370"/>
       </p:ext>
     </p:extLst>
   </p:cSld>
@@ -2188,15 +2186,15 @@
         </p:nvSpPr>
         <p:spPr>
           <a:xfrm>
-            <a:off x="421534" y="216006"/>
-            <a:ext cx="1973799" cy="756021"/>
+            <a:off x="210822" y="287972"/>
+            <a:ext cx="987155" cy="1007904"/>
           </a:xfrm>
         </p:spPr>
         <p:txBody>
           <a:bodyPr anchor="b"/>
           <a:lstStyle>
             <a:lvl1pPr>
-              <a:defRPr sz="1512"/>
+              <a:defRPr sz="1071"/>
             </a:lvl1pPr>
           </a:lstStyle>
           <a:p>
@@ -2220,8 +2218,8 @@
         </p:nvSpPr>
         <p:spPr>
           <a:xfrm>
-            <a:off x="2601718" y="466513"/>
-            <a:ext cx="3098155" cy="2302563"/>
+            <a:off x="1301196" y="621942"/>
+            <a:ext cx="1549479" cy="3069707"/>
           </a:xfrm>
         </p:spPr>
         <p:txBody>
@@ -2229,39 +2227,39 @@
           <a:lstStyle>
             <a:lvl1pPr marL="0" indent="0">
               <a:buNone/>
-              <a:defRPr sz="1512"/>
+              <a:defRPr sz="1071"/>
             </a:lvl1pPr>
-            <a:lvl2pPr marL="216027" indent="0">
-              <a:buNone/>
-              <a:defRPr sz="1323"/>
+            <a:lvl2pPr marL="153025" indent="0">
+              <a:buNone/>
+              <a:defRPr sz="937"/>
             </a:lvl2pPr>
-            <a:lvl3pPr marL="432054" indent="0">
-              <a:buNone/>
-              <a:defRPr sz="1134"/>
+            <a:lvl3pPr marL="306050" indent="0">
+              <a:buNone/>
+              <a:defRPr sz="803"/>
             </a:lvl3pPr>
-            <a:lvl4pPr marL="648081" indent="0">
-              <a:buNone/>
-              <a:defRPr sz="945"/>
+            <a:lvl4pPr marL="459075" indent="0">
+              <a:buNone/>
+              <a:defRPr sz="669"/>
             </a:lvl4pPr>
-            <a:lvl5pPr marL="864108" indent="0">
-              <a:buNone/>
-              <a:defRPr sz="945"/>
+            <a:lvl5pPr marL="612099" indent="0">
+              <a:buNone/>
+              <a:defRPr sz="669"/>
             </a:lvl5pPr>
-            <a:lvl6pPr marL="1080135" indent="0">
-              <a:buNone/>
-              <a:defRPr sz="945"/>
+            <a:lvl6pPr marL="765124" indent="0">
+              <a:buNone/>
+              <a:defRPr sz="669"/>
             </a:lvl6pPr>
-            <a:lvl7pPr marL="1296162" indent="0">
-              <a:buNone/>
-              <a:defRPr sz="945"/>
+            <a:lvl7pPr marL="918149" indent="0">
+              <a:buNone/>
+              <a:defRPr sz="669"/>
             </a:lvl7pPr>
-            <a:lvl8pPr marL="1512189" indent="0">
-              <a:buNone/>
-              <a:defRPr sz="945"/>
+            <a:lvl8pPr marL="1071174" indent="0">
+              <a:buNone/>
+              <a:defRPr sz="669"/>
             </a:lvl8pPr>
-            <a:lvl9pPr marL="1728216" indent="0">
-              <a:buNone/>
-              <a:defRPr sz="945"/>
+            <a:lvl9pPr marL="1224199" indent="0">
+              <a:buNone/>
+              <a:defRPr sz="669"/>
             </a:lvl9pPr>
           </a:lstStyle>
           <a:p>
@@ -2285,8 +2283,8 @@
         </p:nvSpPr>
         <p:spPr>
           <a:xfrm>
-            <a:off x="421534" y="972026"/>
-            <a:ext cx="1973799" cy="1800799"/>
+            <a:off x="210822" y="1295877"/>
+            <a:ext cx="987155" cy="2400771"/>
           </a:xfrm>
         </p:spPr>
         <p:txBody>
@@ -2294,39 +2292,39 @@
           <a:lstStyle>
             <a:lvl1pPr marL="0" indent="0">
               <a:buNone/>
-              <a:defRPr sz="756"/>
+              <a:defRPr sz="536"/>
             </a:lvl1pPr>
-            <a:lvl2pPr marL="216027" indent="0">
-              <a:buNone/>
-              <a:defRPr sz="662"/>
+            <a:lvl2pPr marL="153025" indent="0">
+              <a:buNone/>
+              <a:defRPr sz="469"/>
             </a:lvl2pPr>
-            <a:lvl3pPr marL="432054" indent="0">
-              <a:buNone/>
-              <a:defRPr sz="567"/>
+            <a:lvl3pPr marL="306050" indent="0">
+              <a:buNone/>
+              <a:defRPr sz="402"/>
             </a:lvl3pPr>
-            <a:lvl4pPr marL="648081" indent="0">
-              <a:buNone/>
-              <a:defRPr sz="472"/>
+            <a:lvl4pPr marL="459075" indent="0">
+              <a:buNone/>
+              <a:defRPr sz="335"/>
             </a:lvl4pPr>
-            <a:lvl5pPr marL="864108" indent="0">
-              <a:buNone/>
-              <a:defRPr sz="472"/>
+            <a:lvl5pPr marL="612099" indent="0">
+              <a:buNone/>
+              <a:defRPr sz="335"/>
             </a:lvl5pPr>
-            <a:lvl6pPr marL="1080135" indent="0">
-              <a:buNone/>
-              <a:defRPr sz="472"/>
+            <a:lvl6pPr marL="765124" indent="0">
+              <a:buNone/>
+              <a:defRPr sz="335"/>
             </a:lvl6pPr>
-            <a:lvl7pPr marL="1296162" indent="0">
-              <a:buNone/>
-              <a:defRPr sz="472"/>
+            <a:lvl7pPr marL="918149" indent="0">
+              <a:buNone/>
+              <a:defRPr sz="335"/>
             </a:lvl7pPr>
-            <a:lvl8pPr marL="1512189" indent="0">
-              <a:buNone/>
-              <a:defRPr sz="472"/>
+            <a:lvl8pPr marL="1071174" indent="0">
+              <a:buNone/>
+              <a:defRPr sz="335"/>
             </a:lvl8pPr>
-            <a:lvl9pPr marL="1728216" indent="0">
-              <a:buNone/>
-              <a:defRPr sz="472"/>
+            <a:lvl9pPr marL="1224199" indent="0">
+              <a:buNone/>
+              <a:defRPr sz="335"/>
             </a:lvl9pPr>
           </a:lstStyle>
           <a:p>
@@ -2355,7 +2353,7 @@
           <a:p>
             <a:fld id="{ED160DB6-C0DC-8946-AD05-C0754294CFDE}" type="datetimeFigureOut">
               <a:rPr lang="fr-FR" smtClean="0"/>
-              <a:t>09/07/2025</a:t>
+              <a:t>16/07/2025</a:t>
             </a:fld>
             <a:endParaRPr lang="fr-FR"/>
           </a:p>
@@ -2406,7 +2404,7 @@
     </p:spTree>
     <p:extLst>
       <p:ext uri="{BB962C8B-B14F-4D97-AF65-F5344CB8AC3E}">
-        <p14:creationId xmlns:p14="http://schemas.microsoft.com/office/powerpoint/2010/main" val="1832283060"/>
+        <p14:creationId xmlns:p14="http://schemas.microsoft.com/office/powerpoint/2010/main" val="339963961"/>
       </p:ext>
     </p:extLst>
   </p:cSld>
@@ -2450,8 +2448,8 @@
         </p:nvSpPr>
         <p:spPr>
           <a:xfrm>
-            <a:off x="420737" y="172505"/>
-            <a:ext cx="5278339" cy="626267"/>
+            <a:off x="210423" y="229979"/>
+            <a:ext cx="2639854" cy="834921"/>
           </a:xfrm>
           <a:prstGeom prst="rect">
             <a:avLst/>
@@ -2483,8 +2481,8 @@
         </p:nvSpPr>
         <p:spPr>
           <a:xfrm>
-            <a:off x="420737" y="862523"/>
-            <a:ext cx="5278339" cy="2055806"/>
+            <a:off x="210423" y="1149890"/>
+            <a:ext cx="2639854" cy="2740739"/>
           </a:xfrm>
           <a:prstGeom prst="rect">
             <a:avLst/>
@@ -2545,8 +2543,8 @@
         </p:nvSpPr>
         <p:spPr>
           <a:xfrm>
-            <a:off x="420737" y="3003082"/>
-            <a:ext cx="1376958" cy="172505"/>
+            <a:off x="210423" y="4003619"/>
+            <a:ext cx="688658" cy="229978"/>
           </a:xfrm>
           <a:prstGeom prst="rect">
             <a:avLst/>
@@ -2556,7 +2554,7 @@
           <a:bodyPr vert="horz" lIns="91440" tIns="45720" rIns="91440" bIns="45720" rtlCol="0" anchor="ctr"/>
           <a:lstStyle>
             <a:lvl1pPr algn="l">
-              <a:defRPr sz="567">
+              <a:defRPr sz="402">
                 <a:solidFill>
                   <a:schemeClr val="tx1">
                     <a:tint val="75000"/>
@@ -2568,7 +2566,7 @@
           <a:p>
             <a:fld id="{ED160DB6-C0DC-8946-AD05-C0754294CFDE}" type="datetimeFigureOut">
               <a:rPr lang="fr-FR" smtClean="0"/>
-              <a:t>09/07/2025</a:t>
+              <a:t>16/07/2025</a:t>
             </a:fld>
             <a:endParaRPr lang="fr-FR"/>
           </a:p>
@@ -2586,8 +2584,8 @@
         </p:nvSpPr>
         <p:spPr>
           <a:xfrm>
-            <a:off x="2027188" y="3003082"/>
-            <a:ext cx="2065437" cy="172505"/>
+            <a:off x="1013857" y="4003619"/>
+            <a:ext cx="1032986" cy="229978"/>
           </a:xfrm>
           <a:prstGeom prst="rect">
             <a:avLst/>
@@ -2597,7 +2595,7 @@
           <a:bodyPr vert="horz" lIns="91440" tIns="45720" rIns="91440" bIns="45720" rtlCol="0" anchor="ctr"/>
           <a:lstStyle>
             <a:lvl1pPr algn="ctr">
-              <a:defRPr sz="567">
+              <a:defRPr sz="402">
                 <a:solidFill>
                   <a:schemeClr val="tx1">
                     <a:tint val="75000"/>
@@ -2623,8 +2621,8 @@
         </p:nvSpPr>
         <p:spPr>
           <a:xfrm>
-            <a:off x="4322118" y="3003082"/>
-            <a:ext cx="1376958" cy="172505"/>
+            <a:off x="2161619" y="4003619"/>
+            <a:ext cx="688658" cy="229978"/>
           </a:xfrm>
           <a:prstGeom prst="rect">
             <a:avLst/>
@@ -2634,7 +2632,7 @@
           <a:bodyPr vert="horz" lIns="91440" tIns="45720" rIns="91440" bIns="45720" rtlCol="0" anchor="ctr"/>
           <a:lstStyle>
             <a:lvl1pPr algn="r">
-              <a:defRPr sz="567">
+              <a:defRPr sz="402">
                 <a:solidFill>
                   <a:schemeClr val="tx1">
                     <a:tint val="75000"/>
@@ -2655,27 +2653,27 @@
     </p:spTree>
     <p:extLst>
       <p:ext uri="{BB962C8B-B14F-4D97-AF65-F5344CB8AC3E}">
-        <p14:creationId xmlns:p14="http://schemas.microsoft.com/office/powerpoint/2010/main" val="3280685101"/>
+        <p14:creationId xmlns:p14="http://schemas.microsoft.com/office/powerpoint/2010/main" val="781652612"/>
       </p:ext>
     </p:extLst>
   </p:cSld>
   <p:clrMap bg1="lt1" tx1="dk1" bg2="lt2" tx2="dk2" accent1="accent1" accent2="accent2" accent3="accent3" accent4="accent4" accent5="accent5" accent6="accent6" hlink="hlink" folHlink="folHlink"/>
   <p:sldLayoutIdLst>
-    <p:sldLayoutId id="2147483673" r:id="rId1"/>
-    <p:sldLayoutId id="2147483674" r:id="rId2"/>
-    <p:sldLayoutId id="2147483675" r:id="rId3"/>
-    <p:sldLayoutId id="2147483676" r:id="rId4"/>
-    <p:sldLayoutId id="2147483677" r:id="rId5"/>
-    <p:sldLayoutId id="2147483678" r:id="rId6"/>
-    <p:sldLayoutId id="2147483679" r:id="rId7"/>
-    <p:sldLayoutId id="2147483680" r:id="rId8"/>
-    <p:sldLayoutId id="2147483681" r:id="rId9"/>
-    <p:sldLayoutId id="2147483682" r:id="rId10"/>
-    <p:sldLayoutId id="2147483683" r:id="rId11"/>
+    <p:sldLayoutId id="2147483733" r:id="rId1"/>
+    <p:sldLayoutId id="2147483734" r:id="rId2"/>
+    <p:sldLayoutId id="2147483735" r:id="rId3"/>
+    <p:sldLayoutId id="2147483736" r:id="rId4"/>
+    <p:sldLayoutId id="2147483737" r:id="rId5"/>
+    <p:sldLayoutId id="2147483738" r:id="rId6"/>
+    <p:sldLayoutId id="2147483739" r:id="rId7"/>
+    <p:sldLayoutId id="2147483740" r:id="rId8"/>
+    <p:sldLayoutId id="2147483741" r:id="rId9"/>
+    <p:sldLayoutId id="2147483742" r:id="rId10"/>
+    <p:sldLayoutId id="2147483743" r:id="rId11"/>
   </p:sldLayoutIdLst>
   <p:txStyles>
     <p:titleStyle>
-      <a:lvl1pPr algn="l" defTabSz="432054" rtl="0" eaLnBrk="1" latinLnBrk="0" hangingPunct="1">
+      <a:lvl1pPr algn="l" defTabSz="306050" rtl="0" eaLnBrk="1" latinLnBrk="0" hangingPunct="1">
         <a:lnSpc>
           <a:spcPct val="90000"/>
         </a:lnSpc>
@@ -2683,7 +2681,7 @@
           <a:spcPct val="0"/>
         </a:spcBef>
         <a:buNone/>
-        <a:defRPr sz="2079" kern="1200">
+        <a:defRPr sz="1473" kern="1200">
           <a:solidFill>
             <a:schemeClr val="tx1"/>
           </a:solidFill>
@@ -2694,16 +2692,16 @@
       </a:lvl1pPr>
     </p:titleStyle>
     <p:bodyStyle>
-      <a:lvl1pPr marL="108014" indent="-108014" algn="l" defTabSz="432054" rtl="0" eaLnBrk="1" latinLnBrk="0" hangingPunct="1">
+      <a:lvl1pPr marL="76512" indent="-76512" algn="l" defTabSz="306050" rtl="0" eaLnBrk="1" latinLnBrk="0" hangingPunct="1">
         <a:lnSpc>
           <a:spcPct val="90000"/>
         </a:lnSpc>
         <a:spcBef>
-          <a:spcPts val="472"/>
+          <a:spcPts val="335"/>
         </a:spcBef>
         <a:buFont typeface="Arial" panose="020B0604020202020204" pitchFamily="34" charset="0"/>
         <a:buChar char="•"/>
-        <a:defRPr sz="1323" kern="1200">
+        <a:defRPr sz="937" kern="1200">
           <a:solidFill>
             <a:schemeClr val="tx1"/>
           </a:solidFill>
@@ -2712,16 +2710,16 @@
           <a:cs typeface="+mn-cs"/>
         </a:defRPr>
       </a:lvl1pPr>
-      <a:lvl2pPr marL="324041" indent="-108014" algn="l" defTabSz="432054" rtl="0" eaLnBrk="1" latinLnBrk="0" hangingPunct="1">
+      <a:lvl2pPr marL="229537" indent="-76512" algn="l" defTabSz="306050" rtl="0" eaLnBrk="1" latinLnBrk="0" hangingPunct="1">
         <a:lnSpc>
           <a:spcPct val="90000"/>
         </a:lnSpc>
         <a:spcBef>
-          <a:spcPts val="236"/>
+          <a:spcPts val="167"/>
         </a:spcBef>
         <a:buFont typeface="Arial" panose="020B0604020202020204" pitchFamily="34" charset="0"/>
         <a:buChar char="•"/>
-        <a:defRPr sz="1134" kern="1200">
+        <a:defRPr sz="803" kern="1200">
           <a:solidFill>
             <a:schemeClr val="tx1"/>
           </a:solidFill>
@@ -2730,16 +2728,16 @@
           <a:cs typeface="+mn-cs"/>
         </a:defRPr>
       </a:lvl2pPr>
-      <a:lvl3pPr marL="540068" indent="-108014" algn="l" defTabSz="432054" rtl="0" eaLnBrk="1" latinLnBrk="0" hangingPunct="1">
+      <a:lvl3pPr marL="382562" indent="-76512" algn="l" defTabSz="306050" rtl="0" eaLnBrk="1" latinLnBrk="0" hangingPunct="1">
         <a:lnSpc>
           <a:spcPct val="90000"/>
         </a:lnSpc>
         <a:spcBef>
-          <a:spcPts val="236"/>
+          <a:spcPts val="167"/>
         </a:spcBef>
         <a:buFont typeface="Arial" panose="020B0604020202020204" pitchFamily="34" charset="0"/>
         <a:buChar char="•"/>
-        <a:defRPr sz="945" kern="1200">
+        <a:defRPr sz="669" kern="1200">
           <a:solidFill>
             <a:schemeClr val="tx1"/>
           </a:solidFill>
@@ -2748,16 +2746,16 @@
           <a:cs typeface="+mn-cs"/>
         </a:defRPr>
       </a:lvl3pPr>
-      <a:lvl4pPr marL="756095" indent="-108014" algn="l" defTabSz="432054" rtl="0" eaLnBrk="1" latinLnBrk="0" hangingPunct="1">
+      <a:lvl4pPr marL="535587" indent="-76512" algn="l" defTabSz="306050" rtl="0" eaLnBrk="1" latinLnBrk="0" hangingPunct="1">
         <a:lnSpc>
           <a:spcPct val="90000"/>
         </a:lnSpc>
         <a:spcBef>
-          <a:spcPts val="236"/>
+          <a:spcPts val="167"/>
         </a:spcBef>
         <a:buFont typeface="Arial" panose="020B0604020202020204" pitchFamily="34" charset="0"/>
         <a:buChar char="•"/>
-        <a:defRPr sz="851" kern="1200">
+        <a:defRPr sz="602" kern="1200">
           <a:solidFill>
             <a:schemeClr val="tx1"/>
           </a:solidFill>
@@ -2766,16 +2764,16 @@
           <a:cs typeface="+mn-cs"/>
         </a:defRPr>
       </a:lvl4pPr>
-      <a:lvl5pPr marL="972122" indent="-108014" algn="l" defTabSz="432054" rtl="0" eaLnBrk="1" latinLnBrk="0" hangingPunct="1">
+      <a:lvl5pPr marL="688612" indent="-76512" algn="l" defTabSz="306050" rtl="0" eaLnBrk="1" latinLnBrk="0" hangingPunct="1">
         <a:lnSpc>
           <a:spcPct val="90000"/>
         </a:lnSpc>
         <a:spcBef>
-          <a:spcPts val="236"/>
+          <a:spcPts val="167"/>
         </a:spcBef>
         <a:buFont typeface="Arial" panose="020B0604020202020204" pitchFamily="34" charset="0"/>
         <a:buChar char="•"/>
-        <a:defRPr sz="851" kern="1200">
+        <a:defRPr sz="602" kern="1200">
           <a:solidFill>
             <a:schemeClr val="tx1"/>
           </a:solidFill>
@@ -2784,16 +2782,16 @@
           <a:cs typeface="+mn-cs"/>
         </a:defRPr>
       </a:lvl5pPr>
-      <a:lvl6pPr marL="1188149" indent="-108014" algn="l" defTabSz="432054" rtl="0" eaLnBrk="1" latinLnBrk="0" hangingPunct="1">
+      <a:lvl6pPr marL="841637" indent="-76512" algn="l" defTabSz="306050" rtl="0" eaLnBrk="1" latinLnBrk="0" hangingPunct="1">
         <a:lnSpc>
           <a:spcPct val="90000"/>
         </a:lnSpc>
         <a:spcBef>
-          <a:spcPts val="236"/>
+          <a:spcPts val="167"/>
         </a:spcBef>
         <a:buFont typeface="Arial" panose="020B0604020202020204" pitchFamily="34" charset="0"/>
         <a:buChar char="•"/>
-        <a:defRPr sz="851" kern="1200">
+        <a:defRPr sz="602" kern="1200">
           <a:solidFill>
             <a:schemeClr val="tx1"/>
           </a:solidFill>
@@ -2802,16 +2800,16 @@
           <a:cs typeface="+mn-cs"/>
         </a:defRPr>
       </a:lvl6pPr>
-      <a:lvl7pPr marL="1404176" indent="-108014" algn="l" defTabSz="432054" rtl="0" eaLnBrk="1" latinLnBrk="0" hangingPunct="1">
+      <a:lvl7pPr marL="994661" indent="-76512" algn="l" defTabSz="306050" rtl="0" eaLnBrk="1" latinLnBrk="0" hangingPunct="1">
         <a:lnSpc>
           <a:spcPct val="90000"/>
         </a:lnSpc>
         <a:spcBef>
-          <a:spcPts val="236"/>
+          <a:spcPts val="167"/>
         </a:spcBef>
         <a:buFont typeface="Arial" panose="020B0604020202020204" pitchFamily="34" charset="0"/>
         <a:buChar char="•"/>
-        <a:defRPr sz="851" kern="1200">
+        <a:defRPr sz="602" kern="1200">
           <a:solidFill>
             <a:schemeClr val="tx1"/>
           </a:solidFill>
@@ -2820,16 +2818,16 @@
           <a:cs typeface="+mn-cs"/>
         </a:defRPr>
       </a:lvl7pPr>
-      <a:lvl8pPr marL="1620203" indent="-108014" algn="l" defTabSz="432054" rtl="0" eaLnBrk="1" latinLnBrk="0" hangingPunct="1">
+      <a:lvl8pPr marL="1147686" indent="-76512" algn="l" defTabSz="306050" rtl="0" eaLnBrk="1" latinLnBrk="0" hangingPunct="1">
         <a:lnSpc>
           <a:spcPct val="90000"/>
         </a:lnSpc>
         <a:spcBef>
-          <a:spcPts val="236"/>
+          <a:spcPts val="167"/>
         </a:spcBef>
         <a:buFont typeface="Arial" panose="020B0604020202020204" pitchFamily="34" charset="0"/>
         <a:buChar char="•"/>
-        <a:defRPr sz="851" kern="1200">
+        <a:defRPr sz="602" kern="1200">
           <a:solidFill>
             <a:schemeClr val="tx1"/>
           </a:solidFill>
@@ -2838,16 +2836,16 @@
           <a:cs typeface="+mn-cs"/>
         </a:defRPr>
       </a:lvl8pPr>
-      <a:lvl9pPr marL="1836230" indent="-108014" algn="l" defTabSz="432054" rtl="0" eaLnBrk="1" latinLnBrk="0" hangingPunct="1">
+      <a:lvl9pPr marL="1300711" indent="-76512" algn="l" defTabSz="306050" rtl="0" eaLnBrk="1" latinLnBrk="0" hangingPunct="1">
         <a:lnSpc>
           <a:spcPct val="90000"/>
         </a:lnSpc>
         <a:spcBef>
-          <a:spcPts val="236"/>
+          <a:spcPts val="167"/>
         </a:spcBef>
         <a:buFont typeface="Arial" panose="020B0604020202020204" pitchFamily="34" charset="0"/>
         <a:buChar char="•"/>
-        <a:defRPr sz="851" kern="1200">
+        <a:defRPr sz="602" kern="1200">
           <a:solidFill>
             <a:schemeClr val="tx1"/>
           </a:solidFill>
@@ -2861,8 +2859,8 @@
       <a:defPPr>
         <a:defRPr lang="en-US"/>
       </a:defPPr>
-      <a:lvl1pPr marL="0" algn="l" defTabSz="432054" rtl="0" eaLnBrk="1" latinLnBrk="0" hangingPunct="1">
-        <a:defRPr sz="851" kern="1200">
+      <a:lvl1pPr marL="0" algn="l" defTabSz="306050" rtl="0" eaLnBrk="1" latinLnBrk="0" hangingPunct="1">
+        <a:defRPr sz="602" kern="1200">
           <a:solidFill>
             <a:schemeClr val="tx1"/>
           </a:solidFill>
@@ -2871,8 +2869,8 @@
           <a:cs typeface="+mn-cs"/>
         </a:defRPr>
       </a:lvl1pPr>
-      <a:lvl2pPr marL="216027" algn="l" defTabSz="432054" rtl="0" eaLnBrk="1" latinLnBrk="0" hangingPunct="1">
-        <a:defRPr sz="851" kern="1200">
+      <a:lvl2pPr marL="153025" algn="l" defTabSz="306050" rtl="0" eaLnBrk="1" latinLnBrk="0" hangingPunct="1">
+        <a:defRPr sz="602" kern="1200">
           <a:solidFill>
             <a:schemeClr val="tx1"/>
           </a:solidFill>
@@ -2881,8 +2879,8 @@
           <a:cs typeface="+mn-cs"/>
         </a:defRPr>
       </a:lvl2pPr>
-      <a:lvl3pPr marL="432054" algn="l" defTabSz="432054" rtl="0" eaLnBrk="1" latinLnBrk="0" hangingPunct="1">
-        <a:defRPr sz="851" kern="1200">
+      <a:lvl3pPr marL="306050" algn="l" defTabSz="306050" rtl="0" eaLnBrk="1" latinLnBrk="0" hangingPunct="1">
+        <a:defRPr sz="602" kern="1200">
           <a:solidFill>
             <a:schemeClr val="tx1"/>
           </a:solidFill>
@@ -2891,8 +2889,8 @@
           <a:cs typeface="+mn-cs"/>
         </a:defRPr>
       </a:lvl3pPr>
-      <a:lvl4pPr marL="648081" algn="l" defTabSz="432054" rtl="0" eaLnBrk="1" latinLnBrk="0" hangingPunct="1">
-        <a:defRPr sz="851" kern="1200">
+      <a:lvl4pPr marL="459075" algn="l" defTabSz="306050" rtl="0" eaLnBrk="1" latinLnBrk="0" hangingPunct="1">
+        <a:defRPr sz="602" kern="1200">
           <a:solidFill>
             <a:schemeClr val="tx1"/>
           </a:solidFill>
@@ -2901,8 +2899,8 @@
           <a:cs typeface="+mn-cs"/>
         </a:defRPr>
       </a:lvl4pPr>
-      <a:lvl5pPr marL="864108" algn="l" defTabSz="432054" rtl="0" eaLnBrk="1" latinLnBrk="0" hangingPunct="1">
-        <a:defRPr sz="851" kern="1200">
+      <a:lvl5pPr marL="612099" algn="l" defTabSz="306050" rtl="0" eaLnBrk="1" latinLnBrk="0" hangingPunct="1">
+        <a:defRPr sz="602" kern="1200">
           <a:solidFill>
             <a:schemeClr val="tx1"/>
           </a:solidFill>
@@ -2911,8 +2909,8 @@
           <a:cs typeface="+mn-cs"/>
         </a:defRPr>
       </a:lvl5pPr>
-      <a:lvl6pPr marL="1080135" algn="l" defTabSz="432054" rtl="0" eaLnBrk="1" latinLnBrk="0" hangingPunct="1">
-        <a:defRPr sz="851" kern="1200">
+      <a:lvl6pPr marL="765124" algn="l" defTabSz="306050" rtl="0" eaLnBrk="1" latinLnBrk="0" hangingPunct="1">
+        <a:defRPr sz="602" kern="1200">
           <a:solidFill>
             <a:schemeClr val="tx1"/>
           </a:solidFill>
@@ -2921,8 +2919,8 @@
           <a:cs typeface="+mn-cs"/>
         </a:defRPr>
       </a:lvl6pPr>
-      <a:lvl7pPr marL="1296162" algn="l" defTabSz="432054" rtl="0" eaLnBrk="1" latinLnBrk="0" hangingPunct="1">
-        <a:defRPr sz="851" kern="1200">
+      <a:lvl7pPr marL="918149" algn="l" defTabSz="306050" rtl="0" eaLnBrk="1" latinLnBrk="0" hangingPunct="1">
+        <a:defRPr sz="602" kern="1200">
           <a:solidFill>
             <a:schemeClr val="tx1"/>
           </a:solidFill>
@@ -2931,8 +2929,8 @@
           <a:cs typeface="+mn-cs"/>
         </a:defRPr>
       </a:lvl7pPr>
-      <a:lvl8pPr marL="1512189" algn="l" defTabSz="432054" rtl="0" eaLnBrk="1" latinLnBrk="0" hangingPunct="1">
-        <a:defRPr sz="851" kern="1200">
+      <a:lvl8pPr marL="1071174" algn="l" defTabSz="306050" rtl="0" eaLnBrk="1" latinLnBrk="0" hangingPunct="1">
+        <a:defRPr sz="602" kern="1200">
           <a:solidFill>
             <a:schemeClr val="tx1"/>
           </a:solidFill>
@@ -2941,8 +2939,8 @@
           <a:cs typeface="+mn-cs"/>
         </a:defRPr>
       </a:lvl8pPr>
-      <a:lvl9pPr marL="1728216" algn="l" defTabSz="432054" rtl="0" eaLnBrk="1" latinLnBrk="0" hangingPunct="1">
-        <a:defRPr sz="851" kern="1200">
+      <a:lvl9pPr marL="1224199" algn="l" defTabSz="306050" rtl="0" eaLnBrk="1" latinLnBrk="0" hangingPunct="1">
+        <a:defRPr sz="602" kern="1200">
           <a:solidFill>
             <a:schemeClr val="tx1"/>
           </a:solidFill>
@@ -2973,12 +2971,342 @@
           <a:chExt cx="0" cy="0"/>
         </a:xfrm>
       </p:grpSpPr>
-      <p:sp>
-        <p:nvSpPr>
-          <p:cNvPr id="146" name="Rectangle : coins arrondis 145">
+      <p:pic>
+        <p:nvPicPr>
+          <p:cNvPr id="7" name="Image 6">
             <a:extLst>
               <a:ext uri="{FF2B5EF4-FFF2-40B4-BE49-F238E27FC236}">
-                <a16:creationId xmlns:a16="http://schemas.microsoft.com/office/drawing/2014/main" id="{D76107C6-330F-ABD7-98BD-895DF2544441}"/>
+                <a16:creationId xmlns:a16="http://schemas.microsoft.com/office/drawing/2014/main" id="{68168948-44FA-03F0-5B5B-DC6E672FD967}"/>
+              </a:ext>
+            </a:extLst>
+          </p:cNvPr>
+          <p:cNvPicPr>
+            <a:picLocks noChangeAspect="1"/>
+          </p:cNvPicPr>
+          <p:nvPr/>
+        </p:nvPicPr>
+        <p:blipFill>
+          <a:blip r:embed="rId2"/>
+          <a:stretch>
+            <a:fillRect/>
+          </a:stretch>
+        </p:blipFill>
+        <p:spPr>
+          <a:xfrm>
+            <a:off x="67524" y="5258"/>
+            <a:ext cx="3060700" cy="1530351"/>
+          </a:xfrm>
+          <a:prstGeom prst="rect">
+            <a:avLst/>
+          </a:prstGeom>
+        </p:spPr>
+      </p:pic>
+      <p:sp>
+        <p:nvSpPr>
+          <p:cNvPr id="20" name="ZoneTexte 19">
+            <a:extLst>
+              <a:ext uri="{FF2B5EF4-FFF2-40B4-BE49-F238E27FC236}">
+                <a16:creationId xmlns:a16="http://schemas.microsoft.com/office/drawing/2014/main" id="{72E01FBA-D518-D770-65C9-CA3D02D9B0E7}"/>
+              </a:ext>
+            </a:extLst>
+          </p:cNvPr>
+          <p:cNvSpPr txBox="1"/>
+          <p:nvPr/>
+        </p:nvSpPr>
+        <p:spPr>
+          <a:xfrm>
+            <a:off x="953" y="0"/>
+            <a:ext cx="277640" cy="184666"/>
+          </a:xfrm>
+          <a:prstGeom prst="rect">
+            <a:avLst/>
+          </a:prstGeom>
+          <a:noFill/>
+        </p:spPr>
+        <p:txBody>
+          <a:bodyPr wrap="none" rtlCol="0">
+            <a:spAutoFit/>
+          </a:bodyPr>
+          <a:lstStyle/>
+          <a:p>
+            <a:r>
+              <a:rPr lang="fr-FR" sz="600" b="1" dirty="0"/>
+              <a:t>(A)</a:t>
+            </a:r>
+          </a:p>
+        </p:txBody>
+      </p:sp>
+      <p:sp>
+        <p:nvSpPr>
+          <p:cNvPr id="21" name="ZoneTexte 20">
+            <a:extLst>
+              <a:ext uri="{FF2B5EF4-FFF2-40B4-BE49-F238E27FC236}">
+                <a16:creationId xmlns:a16="http://schemas.microsoft.com/office/drawing/2014/main" id="{E9497EF0-316A-9BAC-0EAA-1C79FD33B1B2}"/>
+              </a:ext>
+            </a:extLst>
+          </p:cNvPr>
+          <p:cNvSpPr txBox="1"/>
+          <p:nvPr/>
+        </p:nvSpPr>
+        <p:spPr>
+          <a:xfrm>
+            <a:off x="1017173" y="3088"/>
+            <a:ext cx="274434" cy="184666"/>
+          </a:xfrm>
+          <a:prstGeom prst="rect">
+            <a:avLst/>
+          </a:prstGeom>
+          <a:noFill/>
+        </p:spPr>
+        <p:txBody>
+          <a:bodyPr wrap="none" rtlCol="0">
+            <a:spAutoFit/>
+          </a:bodyPr>
+          <a:lstStyle/>
+          <a:p>
+            <a:r>
+              <a:rPr lang="fr-FR" sz="600" b="1" dirty="0"/>
+              <a:t>(B)</a:t>
+            </a:r>
+          </a:p>
+        </p:txBody>
+      </p:sp>
+      <p:sp>
+        <p:nvSpPr>
+          <p:cNvPr id="24" name="ZoneTexte 23">
+            <a:extLst>
+              <a:ext uri="{FF2B5EF4-FFF2-40B4-BE49-F238E27FC236}">
+                <a16:creationId xmlns:a16="http://schemas.microsoft.com/office/drawing/2014/main" id="{F0556C2E-EB1B-9628-4126-6B04AB317219}"/>
+              </a:ext>
+            </a:extLst>
+          </p:cNvPr>
+          <p:cNvSpPr txBox="1"/>
+          <p:nvPr/>
+        </p:nvSpPr>
+        <p:spPr>
+          <a:xfrm>
+            <a:off x="2020600" y="0"/>
+            <a:ext cx="274434" cy="184666"/>
+          </a:xfrm>
+          <a:prstGeom prst="rect">
+            <a:avLst/>
+          </a:prstGeom>
+          <a:noFill/>
+        </p:spPr>
+        <p:txBody>
+          <a:bodyPr wrap="none" rtlCol="0">
+            <a:spAutoFit/>
+          </a:bodyPr>
+          <a:lstStyle/>
+          <a:p>
+            <a:r>
+              <a:rPr lang="fr-FR" sz="600" b="1" dirty="0"/>
+              <a:t>(C)</a:t>
+            </a:r>
+          </a:p>
+        </p:txBody>
+      </p:sp>
+      <p:pic>
+        <p:nvPicPr>
+          <p:cNvPr id="3" name="Image 2">
+            <a:extLst>
+              <a:ext uri="{FF2B5EF4-FFF2-40B4-BE49-F238E27FC236}">
+                <a16:creationId xmlns:a16="http://schemas.microsoft.com/office/drawing/2014/main" id="{CB7CC8EE-C991-70BA-EC7E-21C6EC248039}"/>
+              </a:ext>
+            </a:extLst>
+          </p:cNvPr>
+          <p:cNvPicPr>
+            <a:picLocks noChangeAspect="1"/>
+          </p:cNvPicPr>
+          <p:nvPr/>
+        </p:nvPicPr>
+        <p:blipFill>
+          <a:blip r:embed="rId3"/>
+          <a:stretch>
+            <a:fillRect/>
+          </a:stretch>
+        </p:blipFill>
+        <p:spPr>
+          <a:xfrm>
+            <a:off x="1597874" y="1341744"/>
+            <a:ext cx="1421311" cy="1421311"/>
+          </a:xfrm>
+          <a:prstGeom prst="rect">
+            <a:avLst/>
+          </a:prstGeom>
+        </p:spPr>
+      </p:pic>
+      <p:pic>
+        <p:nvPicPr>
+          <p:cNvPr id="5" name="Image 4">
+            <a:extLst>
+              <a:ext uri="{FF2B5EF4-FFF2-40B4-BE49-F238E27FC236}">
+                <a16:creationId xmlns:a16="http://schemas.microsoft.com/office/drawing/2014/main" id="{4E8785A8-3036-B4E3-5647-2C056BA07720}"/>
+              </a:ext>
+            </a:extLst>
+          </p:cNvPr>
+          <p:cNvPicPr>
+            <a:picLocks noChangeAspect="1"/>
+          </p:cNvPicPr>
+          <p:nvPr/>
+        </p:nvPicPr>
+        <p:blipFill>
+          <a:blip r:embed="rId4"/>
+          <a:stretch>
+            <a:fillRect/>
+          </a:stretch>
+        </p:blipFill>
+        <p:spPr>
+          <a:xfrm>
+            <a:off x="221794" y="2623172"/>
+            <a:ext cx="2637919" cy="1648698"/>
+          </a:xfrm>
+          <a:prstGeom prst="rect">
+            <a:avLst/>
+          </a:prstGeom>
+        </p:spPr>
+      </p:pic>
+      <p:pic>
+        <p:nvPicPr>
+          <p:cNvPr id="9" name="Image 8">
+            <a:extLst>
+              <a:ext uri="{FF2B5EF4-FFF2-40B4-BE49-F238E27FC236}">
+                <a16:creationId xmlns:a16="http://schemas.microsoft.com/office/drawing/2014/main" id="{1DD7F67A-0D06-4EDB-B72B-66717AED88D5}"/>
+              </a:ext>
+            </a:extLst>
+          </p:cNvPr>
+          <p:cNvPicPr>
+            <a:picLocks noChangeAspect="1"/>
+          </p:cNvPicPr>
+          <p:nvPr/>
+        </p:nvPicPr>
+        <p:blipFill>
+          <a:blip r:embed="rId5"/>
+          <a:stretch>
+            <a:fillRect/>
+          </a:stretch>
+        </p:blipFill>
+        <p:spPr>
+          <a:xfrm>
+            <a:off x="67527" y="1347239"/>
+            <a:ext cx="1550961" cy="1240769"/>
+          </a:xfrm>
+          <a:prstGeom prst="rect">
+            <a:avLst/>
+          </a:prstGeom>
+        </p:spPr>
+      </p:pic>
+      <p:sp>
+        <p:nvSpPr>
+          <p:cNvPr id="10" name="ZoneTexte 9">
+            <a:extLst>
+              <a:ext uri="{FF2B5EF4-FFF2-40B4-BE49-F238E27FC236}">
+                <a16:creationId xmlns:a16="http://schemas.microsoft.com/office/drawing/2014/main" id="{7AA4AD12-1025-5190-3A80-0BC72E2B653F}"/>
+              </a:ext>
+            </a:extLst>
+          </p:cNvPr>
+          <p:cNvSpPr txBox="1"/>
+          <p:nvPr/>
+        </p:nvSpPr>
+        <p:spPr>
+          <a:xfrm>
+            <a:off x="0" y="1404483"/>
+            <a:ext cx="280846" cy="184666"/>
+          </a:xfrm>
+          <a:prstGeom prst="rect">
+            <a:avLst/>
+          </a:prstGeom>
+          <a:noFill/>
+        </p:spPr>
+        <p:txBody>
+          <a:bodyPr wrap="none" rtlCol="0">
+            <a:spAutoFit/>
+          </a:bodyPr>
+          <a:lstStyle/>
+          <a:p>
+            <a:r>
+              <a:rPr lang="fr-FR" sz="600" b="1" dirty="0"/>
+              <a:t>(D)</a:t>
+            </a:r>
+          </a:p>
+        </p:txBody>
+      </p:sp>
+      <p:sp>
+        <p:nvSpPr>
+          <p:cNvPr id="11" name="ZoneTexte 10">
+            <a:extLst>
+              <a:ext uri="{FF2B5EF4-FFF2-40B4-BE49-F238E27FC236}">
+                <a16:creationId xmlns:a16="http://schemas.microsoft.com/office/drawing/2014/main" id="{036D8366-D2EB-F82C-E346-0C443A3A02B4}"/>
+              </a:ext>
+            </a:extLst>
+          </p:cNvPr>
+          <p:cNvSpPr txBox="1"/>
+          <p:nvPr/>
+        </p:nvSpPr>
+        <p:spPr>
+          <a:xfrm>
+            <a:off x="1534733" y="1371868"/>
+            <a:ext cx="269626" cy="184666"/>
+          </a:xfrm>
+          <a:prstGeom prst="rect">
+            <a:avLst/>
+          </a:prstGeom>
+          <a:noFill/>
+        </p:spPr>
+        <p:txBody>
+          <a:bodyPr wrap="none" rtlCol="0">
+            <a:spAutoFit/>
+          </a:bodyPr>
+          <a:lstStyle/>
+          <a:p>
+            <a:r>
+              <a:rPr lang="fr-FR" sz="600" b="1" dirty="0"/>
+              <a:t>(E)</a:t>
+            </a:r>
+          </a:p>
+        </p:txBody>
+      </p:sp>
+      <p:sp>
+        <p:nvSpPr>
+          <p:cNvPr id="12" name="ZoneTexte 11">
+            <a:extLst>
+              <a:ext uri="{FF2B5EF4-FFF2-40B4-BE49-F238E27FC236}">
+                <a16:creationId xmlns:a16="http://schemas.microsoft.com/office/drawing/2014/main" id="{7BD208F4-B644-D9F0-E88C-3836E03E1E5A}"/>
+              </a:ext>
+            </a:extLst>
+          </p:cNvPr>
+          <p:cNvSpPr txBox="1"/>
+          <p:nvPr/>
+        </p:nvSpPr>
+        <p:spPr>
+          <a:xfrm>
+            <a:off x="10402" y="2713337"/>
+            <a:ext cx="268022" cy="184666"/>
+          </a:xfrm>
+          <a:prstGeom prst="rect">
+            <a:avLst/>
+          </a:prstGeom>
+          <a:noFill/>
+        </p:spPr>
+        <p:txBody>
+          <a:bodyPr wrap="none" rtlCol="0">
+            <a:spAutoFit/>
+          </a:bodyPr>
+          <a:lstStyle/>
+          <a:p>
+            <a:r>
+              <a:rPr lang="fr-FR" sz="600" b="1" dirty="0"/>
+              <a:t>(F)</a:t>
+            </a:r>
+          </a:p>
+        </p:txBody>
+      </p:sp>
+      <p:sp>
+        <p:nvSpPr>
+          <p:cNvPr id="14" name="Rectangle 13">
+            <a:extLst>
+              <a:ext uri="{FF2B5EF4-FFF2-40B4-BE49-F238E27FC236}">
+                <a16:creationId xmlns:a16="http://schemas.microsoft.com/office/drawing/2014/main" id="{930A398C-AB62-36FD-9D87-9854B673448F}"/>
               </a:ext>
             </a:extLst>
           </p:cNvPr>
@@ -2987,13 +3315,18 @@
         </p:nvSpPr>
         <p:spPr>
           <a:xfrm>
-            <a:off x="2343038" y="1485341"/>
-            <a:ext cx="333076" cy="309235"/>
+            <a:off x="2144806" y="2706613"/>
+            <a:ext cx="255494" cy="117269"/>
           </a:xfrm>
-          <a:prstGeom prst="roundRect">
+          <a:prstGeom prst="rect">
             <a:avLst/>
           </a:prstGeom>
-          <a:noFill/>
+          <a:solidFill>
+            <a:schemeClr val="bg1"/>
+          </a:solidFill>
+          <a:ln>
+            <a:noFill/>
+          </a:ln>
         </p:spPr>
         <p:style>
           <a:lnRef idx="2">
@@ -3016,384 +3349,7 @@
           <a:lstStyle/>
           <a:p>
             <a:pPr algn="ctr"/>
-            <a:endParaRPr lang="en-GB" noProof="0" dirty="0"/>
-          </a:p>
-        </p:txBody>
-      </p:sp>
-      <p:pic>
-        <p:nvPicPr>
-          <p:cNvPr id="140" name="Image 139">
-            <a:extLst>
-              <a:ext uri="{FF2B5EF4-FFF2-40B4-BE49-F238E27FC236}">
-                <a16:creationId xmlns:a16="http://schemas.microsoft.com/office/drawing/2014/main" id="{75BD06CA-3148-1BA9-13BB-CCE2E16D83B1}"/>
-              </a:ext>
-            </a:extLst>
-          </p:cNvPr>
-          <p:cNvPicPr>
-            <a:picLocks noChangeAspect="1"/>
-          </p:cNvPicPr>
-          <p:nvPr/>
-        </p:nvPicPr>
-        <p:blipFill>
-          <a:blip r:embed="rId2"/>
-          <a:stretch>
-            <a:fillRect/>
-          </a:stretch>
-        </p:blipFill>
-        <p:spPr>
-          <a:xfrm>
-            <a:off x="4225557" y="1727529"/>
-            <a:ext cx="1776793" cy="1419477"/>
-          </a:xfrm>
-          <a:prstGeom prst="rect">
-            <a:avLst/>
-          </a:prstGeom>
-        </p:spPr>
-      </p:pic>
-      <p:pic>
-        <p:nvPicPr>
-          <p:cNvPr id="142" name="Image 141">
-            <a:extLst>
-              <a:ext uri="{FF2B5EF4-FFF2-40B4-BE49-F238E27FC236}">
-                <a16:creationId xmlns:a16="http://schemas.microsoft.com/office/drawing/2014/main" id="{73CC6EE6-EA0D-9FE2-E942-0BB30974E32F}"/>
-              </a:ext>
-            </a:extLst>
-          </p:cNvPr>
-          <p:cNvPicPr>
-            <a:picLocks noChangeAspect="1"/>
-          </p:cNvPicPr>
-          <p:nvPr/>
-        </p:nvPicPr>
-        <p:blipFill>
-          <a:blip r:embed="rId3"/>
-          <a:stretch>
-            <a:fillRect/>
-          </a:stretch>
-        </p:blipFill>
-        <p:spPr>
-          <a:xfrm>
-            <a:off x="2428563" y="1758939"/>
-            <a:ext cx="1776793" cy="1419477"/>
-          </a:xfrm>
-          <a:prstGeom prst="rect">
-            <a:avLst/>
-          </a:prstGeom>
-        </p:spPr>
-      </p:pic>
-      <p:pic>
-        <p:nvPicPr>
-          <p:cNvPr id="154" name="Image 153">
-            <a:extLst>
-              <a:ext uri="{FF2B5EF4-FFF2-40B4-BE49-F238E27FC236}">
-                <a16:creationId xmlns:a16="http://schemas.microsoft.com/office/drawing/2014/main" id="{0B180541-FD8C-D150-2DE2-227AE7584C93}"/>
-              </a:ext>
-            </a:extLst>
-          </p:cNvPr>
-          <p:cNvPicPr>
-            <a:picLocks noChangeAspect="1"/>
-          </p:cNvPicPr>
-          <p:nvPr/>
-        </p:nvPicPr>
-        <p:blipFill>
-          <a:blip r:embed="rId4"/>
-          <a:stretch>
-            <a:fillRect/>
-          </a:stretch>
-        </p:blipFill>
-        <p:spPr>
-          <a:xfrm>
-            <a:off x="109273" y="83456"/>
-            <a:ext cx="233841" cy="233841"/>
-          </a:xfrm>
-          <a:prstGeom prst="rect">
-            <a:avLst/>
-          </a:prstGeom>
-        </p:spPr>
-      </p:pic>
-      <p:sp>
-        <p:nvSpPr>
-          <p:cNvPr id="20" name="ZoneTexte 19">
-            <a:extLst>
-              <a:ext uri="{FF2B5EF4-FFF2-40B4-BE49-F238E27FC236}">
-                <a16:creationId xmlns:a16="http://schemas.microsoft.com/office/drawing/2014/main" id="{72E01FBA-D518-D770-65C9-CA3D02D9B0E7}"/>
-              </a:ext>
-            </a:extLst>
-          </p:cNvPr>
-          <p:cNvSpPr txBox="1"/>
-          <p:nvPr/>
-        </p:nvSpPr>
-        <p:spPr>
-          <a:xfrm>
-            <a:off x="12357" y="353854"/>
-            <a:ext cx="335348" cy="246221"/>
-          </a:xfrm>
-          <a:prstGeom prst="rect">
-            <a:avLst/>
-          </a:prstGeom>
-          <a:noFill/>
-        </p:spPr>
-        <p:txBody>
-          <a:bodyPr wrap="none" rtlCol="0">
-            <a:spAutoFit/>
-          </a:bodyPr>
-          <a:lstStyle/>
-          <a:p>
-            <a:r>
-              <a:rPr lang="fr-FR" sz="1000" dirty="0"/>
-              <a:t>(A)</a:t>
-            </a:r>
-          </a:p>
-        </p:txBody>
-      </p:sp>
-      <p:sp>
-        <p:nvSpPr>
-          <p:cNvPr id="21" name="ZoneTexte 20">
-            <a:extLst>
-              <a:ext uri="{FF2B5EF4-FFF2-40B4-BE49-F238E27FC236}">
-                <a16:creationId xmlns:a16="http://schemas.microsoft.com/office/drawing/2014/main" id="{E9497EF0-316A-9BAC-0EAA-1C79FD33B1B2}"/>
-              </a:ext>
-            </a:extLst>
-          </p:cNvPr>
-          <p:cNvSpPr txBox="1"/>
-          <p:nvPr/>
-        </p:nvSpPr>
-        <p:spPr>
-          <a:xfrm>
-            <a:off x="2343038" y="25903"/>
-            <a:ext cx="332142" cy="246221"/>
-          </a:xfrm>
-          <a:prstGeom prst="rect">
-            <a:avLst/>
-          </a:prstGeom>
-          <a:noFill/>
-        </p:spPr>
-        <p:txBody>
-          <a:bodyPr wrap="none" rtlCol="0">
-            <a:spAutoFit/>
-          </a:bodyPr>
-          <a:lstStyle/>
-          <a:p>
-            <a:r>
-              <a:rPr lang="fr-FR" sz="1000" dirty="0"/>
-              <a:t>(B)</a:t>
-            </a:r>
-          </a:p>
-        </p:txBody>
-      </p:sp>
-      <p:pic>
-        <p:nvPicPr>
-          <p:cNvPr id="155" name="Image 154">
-            <a:extLst>
-              <a:ext uri="{FF2B5EF4-FFF2-40B4-BE49-F238E27FC236}">
-                <a16:creationId xmlns:a16="http://schemas.microsoft.com/office/drawing/2014/main" id="{A1115FA2-4F4C-2BBE-1D42-7B3CABC5BF07}"/>
-              </a:ext>
-            </a:extLst>
-          </p:cNvPr>
-          <p:cNvPicPr>
-            <a:picLocks noChangeAspect="1"/>
-          </p:cNvPicPr>
-          <p:nvPr/>
-        </p:nvPicPr>
-        <p:blipFill>
-          <a:blip r:embed="rId5"/>
-          <a:stretch>
-            <a:fillRect/>
-          </a:stretch>
-        </p:blipFill>
-        <p:spPr>
-          <a:xfrm>
-            <a:off x="2397517" y="1520284"/>
-            <a:ext cx="239348" cy="239348"/>
-          </a:xfrm>
-          <a:prstGeom prst="rect">
-            <a:avLst/>
-          </a:prstGeom>
-        </p:spPr>
-      </p:pic>
-      <p:sp>
-        <p:nvSpPr>
-          <p:cNvPr id="23" name="ZoneTexte 22">
-            <a:extLst>
-              <a:ext uri="{FF2B5EF4-FFF2-40B4-BE49-F238E27FC236}">
-                <a16:creationId xmlns:a16="http://schemas.microsoft.com/office/drawing/2014/main" id="{53EB65AE-8E45-3B96-3644-95F7DD301E67}"/>
-              </a:ext>
-            </a:extLst>
-          </p:cNvPr>
-          <p:cNvSpPr txBox="1"/>
-          <p:nvPr/>
-        </p:nvSpPr>
-        <p:spPr>
-          <a:xfrm>
-            <a:off x="9952" y="1758939"/>
-            <a:ext cx="340158" cy="246221"/>
-          </a:xfrm>
-          <a:prstGeom prst="rect">
-            <a:avLst/>
-          </a:prstGeom>
-          <a:noFill/>
-        </p:spPr>
-        <p:txBody>
-          <a:bodyPr wrap="none" rtlCol="0">
-            <a:spAutoFit/>
-          </a:bodyPr>
-          <a:lstStyle/>
-          <a:p>
-            <a:r>
-              <a:rPr lang="fr-FR" sz="1000" dirty="0"/>
-              <a:t>(D)</a:t>
-            </a:r>
-          </a:p>
-        </p:txBody>
-      </p:sp>
-      <p:sp>
-        <p:nvSpPr>
-          <p:cNvPr id="24" name="ZoneTexte 23">
-            <a:extLst>
-              <a:ext uri="{FF2B5EF4-FFF2-40B4-BE49-F238E27FC236}">
-                <a16:creationId xmlns:a16="http://schemas.microsoft.com/office/drawing/2014/main" id="{F0556C2E-EB1B-9628-4126-6B04AB317219}"/>
-              </a:ext>
-            </a:extLst>
-          </p:cNvPr>
-          <p:cNvSpPr txBox="1"/>
-          <p:nvPr/>
-        </p:nvSpPr>
-        <p:spPr>
-          <a:xfrm>
-            <a:off x="4091536" y="25902"/>
-            <a:ext cx="330540" cy="246221"/>
-          </a:xfrm>
-          <a:prstGeom prst="rect">
-            <a:avLst/>
-          </a:prstGeom>
-          <a:noFill/>
-        </p:spPr>
-        <p:txBody>
-          <a:bodyPr wrap="none" rtlCol="0">
-            <a:spAutoFit/>
-          </a:bodyPr>
-          <a:lstStyle/>
-          <a:p>
-            <a:r>
-              <a:rPr lang="fr-FR" sz="1000" dirty="0"/>
-              <a:t>(C)</a:t>
-            </a:r>
-          </a:p>
-        </p:txBody>
-      </p:sp>
-      <p:sp>
-        <p:nvSpPr>
-          <p:cNvPr id="118" name="ZoneTexte 117">
-            <a:extLst>
-              <a:ext uri="{FF2B5EF4-FFF2-40B4-BE49-F238E27FC236}">
-                <a16:creationId xmlns:a16="http://schemas.microsoft.com/office/drawing/2014/main" id="{A55CA43F-E0FE-9D48-A3EC-D261050E2DDE}"/>
-              </a:ext>
-            </a:extLst>
-          </p:cNvPr>
-          <p:cNvSpPr txBox="1"/>
-          <p:nvPr/>
-        </p:nvSpPr>
-        <p:spPr>
-          <a:xfrm>
-            <a:off x="2343038" y="1764570"/>
-            <a:ext cx="324128" cy="246221"/>
-          </a:xfrm>
-          <a:prstGeom prst="rect">
-            <a:avLst/>
-          </a:prstGeom>
-          <a:noFill/>
-        </p:spPr>
-        <p:txBody>
-          <a:bodyPr wrap="none" rtlCol="0">
-            <a:spAutoFit/>
-          </a:bodyPr>
-          <a:lstStyle/>
-          <a:p>
-            <a:r>
-              <a:rPr lang="fr-FR" sz="1000" dirty="0"/>
-              <a:t>(E)</a:t>
-            </a:r>
-          </a:p>
-        </p:txBody>
-      </p:sp>
-      <p:sp>
-        <p:nvSpPr>
-          <p:cNvPr id="119" name="ZoneTexte 118">
-            <a:extLst>
-              <a:ext uri="{FF2B5EF4-FFF2-40B4-BE49-F238E27FC236}">
-                <a16:creationId xmlns:a16="http://schemas.microsoft.com/office/drawing/2014/main" id="{7E2358E3-77C2-6425-492C-F7161F352D6D}"/>
-              </a:ext>
-            </a:extLst>
-          </p:cNvPr>
-          <p:cNvSpPr txBox="1"/>
-          <p:nvPr/>
-        </p:nvSpPr>
-        <p:spPr>
-          <a:xfrm>
-            <a:off x="4129944" y="1764570"/>
-            <a:ext cx="320922" cy="246221"/>
-          </a:xfrm>
-          <a:prstGeom prst="rect">
-            <a:avLst/>
-          </a:prstGeom>
-          <a:noFill/>
-        </p:spPr>
-        <p:txBody>
-          <a:bodyPr wrap="none" rtlCol="0">
-            <a:spAutoFit/>
-          </a:bodyPr>
-          <a:lstStyle/>
-          <a:p>
-            <a:r>
-              <a:rPr lang="fr-FR" sz="1000" dirty="0"/>
-              <a:t>(F)</a:t>
-            </a:r>
-          </a:p>
-        </p:txBody>
-      </p:sp>
-      <p:sp>
-        <p:nvSpPr>
-          <p:cNvPr id="143" name="Rectangle : coins arrondis 142">
-            <a:extLst>
-              <a:ext uri="{FF2B5EF4-FFF2-40B4-BE49-F238E27FC236}">
-                <a16:creationId xmlns:a16="http://schemas.microsoft.com/office/drawing/2014/main" id="{2AC94B78-F3B4-6A71-0440-E2FEAC44EFEC}"/>
-              </a:ext>
-            </a:extLst>
-          </p:cNvPr>
-          <p:cNvSpPr/>
-          <p:nvPr/>
-        </p:nvSpPr>
-        <p:spPr>
-          <a:xfrm>
-            <a:off x="60123" y="41061"/>
-            <a:ext cx="332143" cy="318633"/>
-          </a:xfrm>
-          <a:prstGeom prst="roundRect">
-            <a:avLst/>
-          </a:prstGeom>
-          <a:noFill/>
-        </p:spPr>
-        <p:style>
-          <a:lnRef idx="2">
-            <a:schemeClr val="accent1">
-              <a:shade val="15000"/>
-            </a:schemeClr>
-          </a:lnRef>
-          <a:fillRef idx="1">
-            <a:schemeClr val="accent1"/>
-          </a:fillRef>
-          <a:effectRef idx="0">
-            <a:schemeClr val="accent1"/>
-          </a:effectRef>
-          <a:fontRef idx="minor">
-            <a:schemeClr val="lt1"/>
-          </a:fontRef>
-        </p:style>
-        <p:txBody>
-          <a:bodyPr rtlCol="0" anchor="ctr"/>
-          <a:lstStyle/>
-          <a:p>
-            <a:pPr algn="ctr"/>
-            <a:endParaRPr lang="en-GB" noProof="0" dirty="0"/>
+            <a:endParaRPr lang="fr-FR"/>
           </a:p>
         </p:txBody>
       </p:sp>
